--- a/海鮮訂購網站.pptx
+++ b/海鮮訂購網站.pptx
@@ -10,7 +10,11 @@
     <p:sldId id="257" r:id="rId4"/>
     <p:sldId id="259" r:id="rId5"/>
     <p:sldId id="261" r:id="rId6"/>
-    <p:sldId id="260" r:id="rId7"/>
+    <p:sldId id="262" r:id="rId7"/>
+    <p:sldId id="263" r:id="rId8"/>
+    <p:sldId id="264" r:id="rId9"/>
+    <p:sldId id="265" r:id="rId10"/>
+    <p:sldId id="260" r:id="rId11"/>
   </p:sldIdLst>
   <p:sldSz cx="9144000" cy="6858000" type="screen4x3"/>
   <p:notesSz cx="6858000" cy="9144000"/>
@@ -286,7 +290,7 @@
             <a:fld id="{1224A0C4-6F0E-43DF-A074-6B2E715E1D11}" type="datetimeFigureOut">
               <a:rPr lang="zh-TW" altLang="en-US" smtClean="0"/>
               <a:pPr/>
-              <a:t>2022/9/16</a:t>
+              <a:t>2022/9/19</a:t>
             </a:fld>
             <a:endParaRPr lang="zh-TW" altLang="en-US"/>
           </a:p>
@@ -453,7 +457,7 @@
             <a:fld id="{1224A0C4-6F0E-43DF-A074-6B2E715E1D11}" type="datetimeFigureOut">
               <a:rPr lang="zh-TW" altLang="en-US" smtClean="0"/>
               <a:pPr/>
-              <a:t>2022/9/16</a:t>
+              <a:t>2022/9/19</a:t>
             </a:fld>
             <a:endParaRPr lang="zh-TW" altLang="en-US"/>
           </a:p>
@@ -630,7 +634,7 @@
             <a:fld id="{1224A0C4-6F0E-43DF-A074-6B2E715E1D11}" type="datetimeFigureOut">
               <a:rPr lang="zh-TW" altLang="en-US" smtClean="0"/>
               <a:pPr/>
-              <a:t>2022/9/16</a:t>
+              <a:t>2022/9/19</a:t>
             </a:fld>
             <a:endParaRPr lang="zh-TW" altLang="en-US"/>
           </a:p>
@@ -797,7 +801,7 @@
             <a:fld id="{1224A0C4-6F0E-43DF-A074-6B2E715E1D11}" type="datetimeFigureOut">
               <a:rPr lang="zh-TW" altLang="en-US" smtClean="0"/>
               <a:pPr/>
-              <a:t>2022/9/16</a:t>
+              <a:t>2022/9/19</a:t>
             </a:fld>
             <a:endParaRPr lang="zh-TW" altLang="en-US"/>
           </a:p>
@@ -1041,7 +1045,7 @@
             <a:fld id="{1224A0C4-6F0E-43DF-A074-6B2E715E1D11}" type="datetimeFigureOut">
               <a:rPr lang="zh-TW" altLang="en-US" smtClean="0"/>
               <a:pPr/>
-              <a:t>2022/9/16</a:t>
+              <a:t>2022/9/19</a:t>
             </a:fld>
             <a:endParaRPr lang="zh-TW" altLang="en-US"/>
           </a:p>
@@ -1307,7 +1311,7 @@
             <a:fld id="{1224A0C4-6F0E-43DF-A074-6B2E715E1D11}" type="datetimeFigureOut">
               <a:rPr lang="zh-TW" altLang="en-US" smtClean="0"/>
               <a:pPr/>
-              <a:t>2022/9/16</a:t>
+              <a:t>2022/9/19</a:t>
             </a:fld>
             <a:endParaRPr lang="zh-TW" altLang="en-US"/>
           </a:p>
@@ -1687,7 +1691,7 @@
             <a:fld id="{1224A0C4-6F0E-43DF-A074-6B2E715E1D11}" type="datetimeFigureOut">
               <a:rPr lang="zh-TW" altLang="en-US" smtClean="0"/>
               <a:pPr/>
-              <a:t>2022/9/16</a:t>
+              <a:t>2022/9/19</a:t>
             </a:fld>
             <a:endParaRPr lang="zh-TW" altLang="en-US"/>
           </a:p>
@@ -1839,7 +1843,7 @@
             <a:fld id="{1224A0C4-6F0E-43DF-A074-6B2E715E1D11}" type="datetimeFigureOut">
               <a:rPr lang="zh-TW" altLang="en-US" smtClean="0"/>
               <a:pPr/>
-              <a:t>2022/9/16</a:t>
+              <a:t>2022/9/19</a:t>
             </a:fld>
             <a:endParaRPr lang="zh-TW" altLang="en-US"/>
           </a:p>
@@ -1931,7 +1935,7 @@
             <a:fld id="{1224A0C4-6F0E-43DF-A074-6B2E715E1D11}" type="datetimeFigureOut">
               <a:rPr lang="zh-TW" altLang="en-US" smtClean="0"/>
               <a:pPr/>
-              <a:t>2022/9/16</a:t>
+              <a:t>2022/9/19</a:t>
             </a:fld>
             <a:endParaRPr lang="zh-TW" altLang="en-US"/>
           </a:p>
@@ -2194,7 +2198,7 @@
             <a:fld id="{1224A0C4-6F0E-43DF-A074-6B2E715E1D11}" type="datetimeFigureOut">
               <a:rPr lang="zh-TW" altLang="en-US" smtClean="0"/>
               <a:pPr/>
-              <a:t>2022/9/16</a:t>
+              <a:t>2022/9/19</a:t>
             </a:fld>
             <a:endParaRPr lang="zh-TW" altLang="en-US"/>
           </a:p>
@@ -2484,7 +2488,7 @@
             <a:fld id="{1224A0C4-6F0E-43DF-A074-6B2E715E1D11}" type="datetimeFigureOut">
               <a:rPr lang="zh-TW" altLang="en-US" smtClean="0"/>
               <a:pPr/>
-              <a:t>2022/9/16</a:t>
+              <a:t>2022/9/19</a:t>
             </a:fld>
             <a:endParaRPr lang="zh-TW" altLang="en-US"/>
           </a:p>
@@ -3257,7 +3261,7 @@
             <a:fld id="{1224A0C4-6F0E-43DF-A074-6B2E715E1D11}" type="datetimeFigureOut">
               <a:rPr lang="zh-TW" altLang="en-US" smtClean="0"/>
               <a:pPr/>
-              <a:t>2022/9/16</a:t>
+              <a:t>2022/9/19</a:t>
             </a:fld>
             <a:endParaRPr lang="zh-TW" altLang="en-US"/>
           </a:p>
@@ -4000,6 +4004,172 @@
 </p:sld>
 </file>
 
+<file path=ppt/slides/slide10.xml><?xml version="1.0" encoding="utf-8"?>
+<p:sld xmlns:a="http://schemas.openxmlformats.org/drawingml/2006/main" xmlns:r="http://schemas.openxmlformats.org/officeDocument/2006/relationships" xmlns:p="http://schemas.openxmlformats.org/presentationml/2006/main">
+  <p:cSld>
+    <p:spTree>
+      <p:nvGrpSpPr>
+        <p:cNvPr id="1" name=""/>
+        <p:cNvGrpSpPr/>
+        <p:nvPr/>
+      </p:nvGrpSpPr>
+      <p:grpSpPr>
+        <a:xfrm>
+          <a:off x="0" y="0"/>
+          <a:ext cx="0" cy="0"/>
+          <a:chOff x="0" y="0"/>
+          <a:chExt cx="0" cy="0"/>
+        </a:xfrm>
+      </p:grpSpPr>
+      <p:sp>
+        <p:nvSpPr>
+          <p:cNvPr id="2" name="標題 1"/>
+          <p:cNvSpPr>
+            <a:spLocks noGrp="1"/>
+          </p:cNvSpPr>
+          <p:nvPr>
+            <p:ph type="title"/>
+          </p:nvPr>
+        </p:nvSpPr>
+        <p:spPr/>
+        <p:txBody>
+          <a:bodyPr/>
+          <a:lstStyle/>
+          <a:p>
+            <a:r>
+              <a:rPr lang="zh-TW" altLang="en-US" dirty="0" smtClean="0"/>
+              <a:t>參考資料</a:t>
+            </a:r>
+            <a:endParaRPr lang="zh-TW" altLang="en-US" dirty="0"/>
+          </a:p>
+        </p:txBody>
+      </p:sp>
+      <p:sp>
+        <p:nvSpPr>
+          <p:cNvPr id="3" name="文字版面配置區 2"/>
+          <p:cNvSpPr>
+            <a:spLocks noGrp="1"/>
+          </p:cNvSpPr>
+          <p:nvPr>
+            <p:ph type="body" idx="1"/>
+          </p:nvPr>
+        </p:nvSpPr>
+        <p:spPr>
+          <a:xfrm>
+            <a:off x="530352" y="2704664"/>
+            <a:ext cx="7772400" cy="3724732"/>
+          </a:xfrm>
+        </p:spPr>
+        <p:txBody>
+          <a:bodyPr>
+            <a:normAutofit/>
+          </a:bodyPr>
+          <a:lstStyle/>
+          <a:p>
+            <a:r>
+              <a:rPr lang="zh-TW" altLang="en-US" sz="1600" dirty="0" smtClean="0">
+                <a:latin typeface="微軟正黑體" pitchFamily="34" charset="-120"/>
+                <a:ea typeface="微軟正黑體" pitchFamily="34" charset="-120"/>
+              </a:rPr>
+              <a:t>曾海味</a:t>
+            </a:r>
+            <a:endParaRPr lang="en-US" altLang="zh-TW" sz="1600" dirty="0" smtClean="0">
+              <a:latin typeface="微軟正黑體" pitchFamily="34" charset="-120"/>
+              <a:ea typeface="微軟正黑體" pitchFamily="34" charset="-120"/>
+            </a:endParaRPr>
+          </a:p>
+          <a:p>
+            <a:r>
+              <a:rPr lang="en-US" altLang="zh-TW" sz="1600" dirty="0" smtClean="0">
+                <a:latin typeface="微軟正黑體" pitchFamily="34" charset="-120"/>
+                <a:ea typeface="微軟正黑體" pitchFamily="34" charset="-120"/>
+                <a:hlinkClick r:id="rId2"/>
+              </a:rPr>
+              <a:t>https://www.zenghaiwei.com/?gclid=Cj0KCQjw94WZBhDtARIsAKxWG--c3avir0RnfgDEIa_r0QNPTvo7SZGPnYBxTHCxnSJ4XsMElto-o6IaAof3EALw_wcB</a:t>
+            </a:r>
+            <a:endParaRPr lang="en-US" altLang="zh-TW" sz="1600" dirty="0" smtClean="0">
+              <a:latin typeface="微軟正黑體" pitchFamily="34" charset="-120"/>
+              <a:ea typeface="微軟正黑體" pitchFamily="34" charset="-120"/>
+            </a:endParaRPr>
+          </a:p>
+          <a:p>
+            <a:endParaRPr lang="en-US" altLang="zh-TW" sz="1600" dirty="0" smtClean="0">
+              <a:latin typeface="微軟正黑體" pitchFamily="34" charset="-120"/>
+              <a:ea typeface="微軟正黑體" pitchFamily="34" charset="-120"/>
+            </a:endParaRPr>
+          </a:p>
+          <a:p>
+            <a:r>
+              <a:rPr lang="zh-TW" altLang="en-US" sz="1600" dirty="0" smtClean="0">
+                <a:latin typeface="微軟正黑體" pitchFamily="34" charset="-120"/>
+                <a:ea typeface="微軟正黑體" pitchFamily="34" charset="-120"/>
+              </a:rPr>
+              <a:t>佐佐鮮</a:t>
+            </a:r>
+            <a:endParaRPr lang="en-US" altLang="zh-TW" sz="1600" dirty="0" smtClean="0">
+              <a:latin typeface="微軟正黑體" pitchFamily="34" charset="-120"/>
+              <a:ea typeface="微軟正黑體" pitchFamily="34" charset="-120"/>
+            </a:endParaRPr>
+          </a:p>
+          <a:p>
+            <a:r>
+              <a:rPr lang="en-US" altLang="zh-TW" sz="1600" dirty="0" smtClean="0">
+                <a:latin typeface="微軟正黑體" pitchFamily="34" charset="-120"/>
+                <a:ea typeface="微軟正黑體" pitchFamily="34" charset="-120"/>
+                <a:hlinkClick r:id="rId3"/>
+              </a:rPr>
+              <a:t>https://www.jjfish.com.tw/?lang=zh-TW</a:t>
+            </a:r>
+            <a:endParaRPr lang="en-US" altLang="zh-TW" sz="1600" dirty="0" smtClean="0">
+              <a:latin typeface="微軟正黑體" pitchFamily="34" charset="-120"/>
+              <a:ea typeface="微軟正黑體" pitchFamily="34" charset="-120"/>
+            </a:endParaRPr>
+          </a:p>
+          <a:p>
+            <a:endParaRPr lang="en-US" altLang="zh-TW" sz="1600" dirty="0" smtClean="0">
+              <a:latin typeface="微軟正黑體" pitchFamily="34" charset="-120"/>
+              <a:ea typeface="微軟正黑體" pitchFamily="34" charset="-120"/>
+            </a:endParaRPr>
+          </a:p>
+          <a:p>
+            <a:r>
+              <a:rPr lang="en-US" altLang="zh-TW" sz="1600" dirty="0" smtClean="0">
+                <a:latin typeface="微軟正黑體" pitchFamily="34" charset="-120"/>
+                <a:ea typeface="微軟正黑體" pitchFamily="34" charset="-120"/>
+              </a:rPr>
+              <a:t>W3School</a:t>
+            </a:r>
+          </a:p>
+          <a:p>
+            <a:r>
+              <a:rPr lang="en-US" altLang="zh-TW" sz="1600" dirty="0" smtClean="0">
+                <a:latin typeface="微軟正黑體" pitchFamily="34" charset="-120"/>
+                <a:ea typeface="微軟正黑體" pitchFamily="34" charset="-120"/>
+                <a:hlinkClick r:id="rId4"/>
+              </a:rPr>
+              <a:t>https://www.w3schools.com/</a:t>
+            </a:r>
+            <a:endParaRPr lang="en-US" altLang="zh-TW" sz="1600" dirty="0" smtClean="0">
+              <a:latin typeface="微軟正黑體" pitchFamily="34" charset="-120"/>
+              <a:ea typeface="微軟正黑體" pitchFamily="34" charset="-120"/>
+            </a:endParaRPr>
+          </a:p>
+          <a:p>
+            <a:endParaRPr lang="en-US" altLang="zh-TW" sz="1600" dirty="0" smtClean="0">
+              <a:latin typeface="微軟正黑體" pitchFamily="34" charset="-120"/>
+              <a:ea typeface="微軟正黑體" pitchFamily="34" charset="-120"/>
+            </a:endParaRPr>
+          </a:p>
+        </p:txBody>
+      </p:sp>
+    </p:spTree>
+  </p:cSld>
+  <p:clrMapOvr>
+    <a:masterClrMapping/>
+  </p:clrMapOvr>
+</p:sld>
+</file>
+
 <file path=ppt/slides/slide2.xml><?xml version="1.0" encoding="utf-8"?>
 <p:sld xmlns:a="http://schemas.openxmlformats.org/drawingml/2006/main" xmlns:r="http://schemas.openxmlformats.org/officeDocument/2006/relationships" xmlns:p="http://schemas.openxmlformats.org/presentationml/2006/main">
   <p:cSld>
@@ -4427,133 +4597,1055 @@
             <p:ph type="title"/>
           </p:nvPr>
         </p:nvSpPr>
-        <p:spPr/>
+        <p:spPr>
+          <a:xfrm>
+            <a:off x="642910" y="642918"/>
+            <a:ext cx="1684194" cy="1362456"/>
+          </a:xfrm>
+        </p:spPr>
         <p:txBody>
           <a:bodyPr/>
           <a:lstStyle/>
           <a:p>
             <a:r>
               <a:rPr lang="zh-TW" altLang="en-US" dirty="0" smtClean="0"/>
-              <a:t>參考資料</a:t>
+              <a:t>首頁</a:t>
             </a:r>
             <a:endParaRPr lang="zh-TW" altLang="en-US" dirty="0"/>
           </a:p>
         </p:txBody>
       </p:sp>
-      <p:sp>
-        <p:nvSpPr>
-          <p:cNvPr id="3" name="文字版面配置區 2"/>
-          <p:cNvSpPr>
-            <a:spLocks noGrp="1"/>
-          </p:cNvSpPr>
-          <p:nvPr>
-            <p:ph type="body" idx="1"/>
-          </p:nvPr>
-        </p:nvSpPr>
+      <p:pic>
+        <p:nvPicPr>
+          <p:cNvPr id="5" name="圖片 4" descr="主頁.jpg"/>
+          <p:cNvPicPr>
+            <a:picLocks noChangeAspect="1"/>
+          </p:cNvPicPr>
+          <p:nvPr/>
+        </p:nvPicPr>
+        <p:blipFill>
+          <a:blip r:embed="rId2"/>
+          <a:stretch>
+            <a:fillRect/>
+          </a:stretch>
+        </p:blipFill>
         <p:spPr>
           <a:xfrm>
-            <a:off x="530352" y="2704664"/>
-            <a:ext cx="7772400" cy="3724732"/>
-          </a:xfrm>
-        </p:spPr>
-        <p:txBody>
-          <a:bodyPr>
-            <a:normAutofit/>
+            <a:off x="642910" y="2000240"/>
+            <a:ext cx="7857752" cy="4446482"/>
+          </a:xfrm>
+          <a:prstGeom prst="rect">
+            <a:avLst/>
+          </a:prstGeom>
+        </p:spPr>
+      </p:pic>
+      <p:sp>
+        <p:nvSpPr>
+          <p:cNvPr id="6" name="文字方塊 5"/>
+          <p:cNvSpPr txBox="1"/>
+          <p:nvPr/>
+        </p:nvSpPr>
+        <p:spPr>
+          <a:xfrm>
+            <a:off x="642910" y="3429000"/>
+            <a:ext cx="2299347" cy="369332"/>
+          </a:xfrm>
+          <a:prstGeom prst="rect">
+            <a:avLst/>
+          </a:prstGeom>
+          <a:noFill/>
+        </p:spPr>
+        <p:txBody>
+          <a:bodyPr wrap="none" rtlCol="0">
+            <a:spAutoFit/>
           </a:bodyPr>
           <a:lstStyle/>
           <a:p>
             <a:r>
-              <a:rPr lang="zh-TW" altLang="en-US" sz="1600" dirty="0" smtClean="0">
-                <a:latin typeface="微軟正黑體" pitchFamily="34" charset="-120"/>
-                <a:ea typeface="微軟正黑體" pitchFamily="34" charset="-120"/>
+              <a:rPr lang="en-US" altLang="zh-TW" dirty="0" smtClean="0">
+                <a:solidFill>
+                  <a:schemeClr val="bg1"/>
+                </a:solidFill>
               </a:rPr>
-              <a:t>曾海味</a:t>
-            </a:r>
-            <a:endParaRPr lang="en-US" altLang="zh-TW" sz="1600" dirty="0" smtClean="0">
-              <a:latin typeface="微軟正黑體" pitchFamily="34" charset="-120"/>
-              <a:ea typeface="微軟正黑體" pitchFamily="34" charset="-120"/>
+              <a:t>Header</a:t>
+            </a:r>
+            <a:r>
+              <a:rPr lang="zh-TW" altLang="en-US" dirty="0" smtClean="0">
+                <a:solidFill>
+                  <a:schemeClr val="bg1"/>
+                </a:solidFill>
+              </a:rPr>
+              <a:t>下方四顆按鈕</a:t>
+            </a:r>
+            <a:endParaRPr lang="zh-TW" altLang="en-US" dirty="0">
+              <a:solidFill>
+                <a:schemeClr val="bg1"/>
+              </a:solidFill>
             </a:endParaRPr>
           </a:p>
-          <a:p>
-            <a:r>
-              <a:rPr lang="en-US" altLang="zh-TW" sz="1600" dirty="0" smtClean="0">
-                <a:latin typeface="微軟正黑體" pitchFamily="34" charset="-120"/>
-                <a:ea typeface="微軟正黑體" pitchFamily="34" charset="-120"/>
-                <a:hlinkClick r:id="rId2"/>
+        </p:txBody>
+      </p:sp>
+      <p:sp>
+        <p:nvSpPr>
+          <p:cNvPr id="9" name="向下箭號 8"/>
+          <p:cNvSpPr/>
+          <p:nvPr/>
+        </p:nvSpPr>
+        <p:spPr>
+          <a:xfrm rot="10800000">
+            <a:off x="1000100" y="2714620"/>
+            <a:ext cx="214314" cy="714380"/>
+          </a:xfrm>
+          <a:prstGeom prst="downArrow">
+            <a:avLst/>
+          </a:prstGeom>
+        </p:spPr>
+        <p:style>
+          <a:lnRef idx="2">
+            <a:schemeClr val="accent2">
+              <a:shade val="50000"/>
+            </a:schemeClr>
+          </a:lnRef>
+          <a:fillRef idx="1">
+            <a:schemeClr val="accent2"/>
+          </a:fillRef>
+          <a:effectRef idx="0">
+            <a:schemeClr val="accent2"/>
+          </a:effectRef>
+          <a:fontRef idx="minor">
+            <a:schemeClr val="lt1"/>
+          </a:fontRef>
+        </p:style>
+        <p:txBody>
+          <a:bodyPr rtlCol="0" anchor="ctr"/>
+          <a:lstStyle/>
+          <a:p>
+            <a:pPr algn="ctr"/>
+            <a:endParaRPr lang="zh-TW" altLang="en-US"/>
+          </a:p>
+        </p:txBody>
+      </p:sp>
+      <p:sp>
+        <p:nvSpPr>
+          <p:cNvPr id="11" name="向下箭號 10"/>
+          <p:cNvSpPr/>
+          <p:nvPr/>
+        </p:nvSpPr>
+        <p:spPr>
+          <a:xfrm rot="5400000">
+            <a:off x="6107917" y="3036091"/>
+            <a:ext cx="214314" cy="714380"/>
+          </a:xfrm>
+          <a:prstGeom prst="downArrow">
+            <a:avLst/>
+          </a:prstGeom>
+        </p:spPr>
+        <p:style>
+          <a:lnRef idx="2">
+            <a:schemeClr val="accent2">
+              <a:shade val="50000"/>
+            </a:schemeClr>
+          </a:lnRef>
+          <a:fillRef idx="1">
+            <a:schemeClr val="accent2"/>
+          </a:fillRef>
+          <a:effectRef idx="0">
+            <a:schemeClr val="accent2"/>
+          </a:effectRef>
+          <a:fontRef idx="minor">
+            <a:schemeClr val="lt1"/>
+          </a:fontRef>
+        </p:style>
+        <p:txBody>
+          <a:bodyPr rtlCol="0" anchor="ctr"/>
+          <a:lstStyle/>
+          <a:p>
+            <a:pPr algn="ctr"/>
+            <a:endParaRPr lang="zh-TW" altLang="en-US"/>
+          </a:p>
+        </p:txBody>
+      </p:sp>
+      <p:sp>
+        <p:nvSpPr>
+          <p:cNvPr id="12" name="文字方塊 11"/>
+          <p:cNvSpPr txBox="1"/>
+          <p:nvPr/>
+        </p:nvSpPr>
+        <p:spPr>
+          <a:xfrm>
+            <a:off x="6643702" y="3214686"/>
+            <a:ext cx="877163" cy="369332"/>
+          </a:xfrm>
+          <a:prstGeom prst="rect">
+            <a:avLst/>
+          </a:prstGeom>
+          <a:noFill/>
+        </p:spPr>
+        <p:txBody>
+          <a:bodyPr wrap="none" rtlCol="0">
+            <a:spAutoFit/>
+          </a:bodyPr>
+          <a:lstStyle/>
+          <a:p>
+            <a:r>
+              <a:rPr lang="zh-TW" altLang="en-US" dirty="0" smtClean="0">
+                <a:solidFill>
+                  <a:schemeClr val="bg1"/>
+                </a:solidFill>
               </a:rPr>
-              <a:t>https://www.zenghaiwei.com/?gclid=Cj0KCQjw94WZBhDtARIsAKxWG--c3avir0RnfgDEIa_r0QNPTvo7SZGPnYBxTHCxnSJ4XsMElto-o6IaAof3EALw_wcB</a:t>
-            </a:r>
-            <a:endParaRPr lang="en-US" altLang="zh-TW" sz="1600" dirty="0" smtClean="0">
-              <a:latin typeface="微軟正黑體" pitchFamily="34" charset="-120"/>
-              <a:ea typeface="微軟正黑體" pitchFamily="34" charset="-120"/>
+              <a:t>跑馬燈</a:t>
+            </a:r>
+            <a:endParaRPr lang="zh-TW" altLang="en-US" dirty="0">
+              <a:solidFill>
+                <a:schemeClr val="bg1"/>
+              </a:solidFill>
             </a:endParaRPr>
           </a:p>
-          <a:p>
-            <a:endParaRPr lang="en-US" altLang="zh-TW" sz="1600" dirty="0" smtClean="0">
-              <a:latin typeface="微軟正黑體" pitchFamily="34" charset="-120"/>
-              <a:ea typeface="微軟正黑體" pitchFamily="34" charset="-120"/>
+        </p:txBody>
+      </p:sp>
+      <p:sp>
+        <p:nvSpPr>
+          <p:cNvPr id="13" name="向下箭號 12"/>
+          <p:cNvSpPr/>
+          <p:nvPr/>
+        </p:nvSpPr>
+        <p:spPr>
+          <a:xfrm rot="5400000">
+            <a:off x="5822165" y="3821909"/>
+            <a:ext cx="214314" cy="714380"/>
+          </a:xfrm>
+          <a:prstGeom prst="downArrow">
+            <a:avLst/>
+          </a:prstGeom>
+        </p:spPr>
+        <p:style>
+          <a:lnRef idx="2">
+            <a:schemeClr val="accent2">
+              <a:shade val="50000"/>
+            </a:schemeClr>
+          </a:lnRef>
+          <a:fillRef idx="1">
+            <a:schemeClr val="accent2"/>
+          </a:fillRef>
+          <a:effectRef idx="0">
+            <a:schemeClr val="accent2"/>
+          </a:effectRef>
+          <a:fontRef idx="minor">
+            <a:schemeClr val="lt1"/>
+          </a:fontRef>
+        </p:style>
+        <p:txBody>
+          <a:bodyPr rtlCol="0" anchor="ctr"/>
+          <a:lstStyle/>
+          <a:p>
+            <a:pPr algn="ctr"/>
+            <a:endParaRPr lang="zh-TW" altLang="en-US"/>
+          </a:p>
+        </p:txBody>
+      </p:sp>
+      <p:sp>
+        <p:nvSpPr>
+          <p:cNvPr id="14" name="文字方塊 13"/>
+          <p:cNvSpPr txBox="1"/>
+          <p:nvPr/>
+        </p:nvSpPr>
+        <p:spPr>
+          <a:xfrm>
+            <a:off x="6357950" y="4000504"/>
+            <a:ext cx="1569660" cy="369332"/>
+          </a:xfrm>
+          <a:prstGeom prst="rect">
+            <a:avLst/>
+          </a:prstGeom>
+          <a:noFill/>
+        </p:spPr>
+        <p:txBody>
+          <a:bodyPr wrap="none" rtlCol="0">
+            <a:spAutoFit/>
+          </a:bodyPr>
+          <a:lstStyle/>
+          <a:p>
+            <a:r>
+              <a:rPr lang="zh-TW" altLang="en-US" dirty="0" smtClean="0">
+                <a:solidFill>
+                  <a:schemeClr val="bg1"/>
+                </a:solidFill>
+              </a:rPr>
+              <a:t>連結至商品頁</a:t>
+            </a:r>
+            <a:endParaRPr lang="zh-TW" altLang="en-US" dirty="0">
+              <a:solidFill>
+                <a:schemeClr val="bg1"/>
+              </a:solidFill>
             </a:endParaRPr>
           </a:p>
-          <a:p>
-            <a:r>
-              <a:rPr lang="zh-TW" altLang="en-US" sz="1600" dirty="0" smtClean="0">
-                <a:latin typeface="微軟正黑體" pitchFamily="34" charset="-120"/>
-                <a:ea typeface="微軟正黑體" pitchFamily="34" charset="-120"/>
+        </p:txBody>
+      </p:sp>
+    </p:spTree>
+  </p:cSld>
+  <p:clrMapOvr>
+    <a:masterClrMapping/>
+  </p:clrMapOvr>
+</p:sld>
+</file>
+
+<file path=ppt/slides/slide7.xml><?xml version="1.0" encoding="utf-8"?>
+<p:sld xmlns:a="http://schemas.openxmlformats.org/drawingml/2006/main" xmlns:r="http://schemas.openxmlformats.org/officeDocument/2006/relationships" xmlns:p="http://schemas.openxmlformats.org/presentationml/2006/main">
+  <p:cSld>
+    <p:spTree>
+      <p:nvGrpSpPr>
+        <p:cNvPr id="1" name=""/>
+        <p:cNvGrpSpPr/>
+        <p:nvPr/>
+      </p:nvGrpSpPr>
+      <p:grpSpPr>
+        <a:xfrm>
+          <a:off x="0" y="0"/>
+          <a:ext cx="0" cy="0"/>
+          <a:chOff x="0" y="0"/>
+          <a:chExt cx="0" cy="0"/>
+        </a:xfrm>
+      </p:grpSpPr>
+      <p:sp>
+        <p:nvSpPr>
+          <p:cNvPr id="2" name="標題 1"/>
+          <p:cNvSpPr>
+            <a:spLocks noGrp="1"/>
+          </p:cNvSpPr>
+          <p:nvPr>
+            <p:ph type="title"/>
+          </p:nvPr>
+        </p:nvSpPr>
+        <p:spPr>
+          <a:xfrm>
+            <a:off x="428596" y="642918"/>
+            <a:ext cx="2470012" cy="1005266"/>
+          </a:xfrm>
+        </p:spPr>
+        <p:txBody>
+          <a:bodyPr/>
+          <a:lstStyle/>
+          <a:p>
+            <a:r>
+              <a:rPr lang="zh-TW" altLang="en-US" dirty="0" smtClean="0"/>
+              <a:t>商品頁</a:t>
+            </a:r>
+            <a:endParaRPr lang="zh-TW" altLang="en-US" dirty="0"/>
+          </a:p>
+        </p:txBody>
+      </p:sp>
+      <p:pic>
+        <p:nvPicPr>
+          <p:cNvPr id="4" name="圖片 3" descr="商品頁.jpg"/>
+          <p:cNvPicPr>
+            <a:picLocks noChangeAspect="1"/>
+          </p:cNvPicPr>
+          <p:nvPr/>
+        </p:nvPicPr>
+        <p:blipFill>
+          <a:blip r:embed="rId2"/>
+          <a:stretch>
+            <a:fillRect/>
+          </a:stretch>
+        </p:blipFill>
+        <p:spPr>
+          <a:xfrm>
+            <a:off x="357158" y="1643050"/>
+            <a:ext cx="8501122" cy="5000660"/>
+          </a:xfrm>
+          <a:prstGeom prst="rect">
+            <a:avLst/>
+          </a:prstGeom>
+        </p:spPr>
+      </p:pic>
+      <p:sp>
+        <p:nvSpPr>
+          <p:cNvPr id="5" name="向下箭號 4"/>
+          <p:cNvSpPr/>
+          <p:nvPr/>
+        </p:nvSpPr>
+        <p:spPr>
+          <a:xfrm rot="5400000">
+            <a:off x="5822165" y="3893347"/>
+            <a:ext cx="214314" cy="714380"/>
+          </a:xfrm>
+          <a:prstGeom prst="downArrow">
+            <a:avLst/>
+          </a:prstGeom>
+        </p:spPr>
+        <p:style>
+          <a:lnRef idx="2">
+            <a:schemeClr val="accent2">
+              <a:shade val="50000"/>
+            </a:schemeClr>
+          </a:lnRef>
+          <a:fillRef idx="1">
+            <a:schemeClr val="accent2"/>
+          </a:fillRef>
+          <a:effectRef idx="0">
+            <a:schemeClr val="accent2"/>
+          </a:effectRef>
+          <a:fontRef idx="minor">
+            <a:schemeClr val="lt1"/>
+          </a:fontRef>
+        </p:style>
+        <p:txBody>
+          <a:bodyPr rtlCol="0" anchor="ctr"/>
+          <a:lstStyle/>
+          <a:p>
+            <a:pPr algn="ctr"/>
+            <a:endParaRPr lang="zh-TW" altLang="en-US"/>
+          </a:p>
+        </p:txBody>
+      </p:sp>
+      <p:sp>
+        <p:nvSpPr>
+          <p:cNvPr id="6" name="文字方塊 5"/>
+          <p:cNvSpPr txBox="1"/>
+          <p:nvPr/>
+        </p:nvSpPr>
+        <p:spPr>
+          <a:xfrm>
+            <a:off x="6215074" y="4000504"/>
+            <a:ext cx="1569660" cy="369332"/>
+          </a:xfrm>
+          <a:prstGeom prst="rect">
+            <a:avLst/>
+          </a:prstGeom>
+          <a:noFill/>
+        </p:spPr>
+        <p:txBody>
+          <a:bodyPr wrap="none" rtlCol="0">
+            <a:spAutoFit/>
+          </a:bodyPr>
+          <a:lstStyle/>
+          <a:p>
+            <a:r>
+              <a:rPr lang="zh-TW" altLang="en-US" dirty="0" smtClean="0">
+                <a:solidFill>
+                  <a:schemeClr val="bg1"/>
+                </a:solidFill>
               </a:rPr>
-              <a:t>佐佐鮮</a:t>
-            </a:r>
-            <a:endParaRPr lang="en-US" altLang="zh-TW" sz="1600" dirty="0" smtClean="0">
-              <a:latin typeface="微軟正黑體" pitchFamily="34" charset="-120"/>
-              <a:ea typeface="微軟正黑體" pitchFamily="34" charset="-120"/>
+              <a:t>連結至購物車</a:t>
+            </a:r>
+            <a:endParaRPr lang="zh-TW" altLang="en-US" dirty="0">
+              <a:solidFill>
+                <a:schemeClr val="bg1"/>
+              </a:solidFill>
             </a:endParaRPr>
           </a:p>
-          <a:p>
-            <a:r>
-              <a:rPr lang="en-US" altLang="zh-TW" sz="1600" dirty="0" smtClean="0">
-                <a:latin typeface="微軟正黑體" pitchFamily="34" charset="-120"/>
-                <a:ea typeface="微軟正黑體" pitchFamily="34" charset="-120"/>
-                <a:hlinkClick r:id="rId3"/>
+        </p:txBody>
+      </p:sp>
+      <p:sp>
+        <p:nvSpPr>
+          <p:cNvPr id="7" name="向下箭號 6"/>
+          <p:cNvSpPr/>
+          <p:nvPr/>
+        </p:nvSpPr>
+        <p:spPr>
+          <a:xfrm rot="19936969">
+            <a:off x="2707715" y="3997079"/>
+            <a:ext cx="214314" cy="2173539"/>
+          </a:xfrm>
+          <a:prstGeom prst="downArrow">
+            <a:avLst/>
+          </a:prstGeom>
+        </p:spPr>
+        <p:style>
+          <a:lnRef idx="2">
+            <a:schemeClr val="accent2">
+              <a:shade val="50000"/>
+            </a:schemeClr>
+          </a:lnRef>
+          <a:fillRef idx="1">
+            <a:schemeClr val="accent2"/>
+          </a:fillRef>
+          <a:effectRef idx="0">
+            <a:schemeClr val="accent2"/>
+          </a:effectRef>
+          <a:fontRef idx="minor">
+            <a:schemeClr val="lt1"/>
+          </a:fontRef>
+        </p:style>
+        <p:txBody>
+          <a:bodyPr rtlCol="0" anchor="ctr"/>
+          <a:lstStyle/>
+          <a:p>
+            <a:pPr algn="ctr"/>
+            <a:endParaRPr lang="zh-TW" altLang="en-US"/>
+          </a:p>
+        </p:txBody>
+      </p:sp>
+      <p:sp>
+        <p:nvSpPr>
+          <p:cNvPr id="8" name="文字方塊 7"/>
+          <p:cNvSpPr txBox="1"/>
+          <p:nvPr/>
+        </p:nvSpPr>
+        <p:spPr>
+          <a:xfrm>
+            <a:off x="785786" y="3143248"/>
+            <a:ext cx="2492990" cy="923330"/>
+          </a:xfrm>
+          <a:prstGeom prst="rect">
+            <a:avLst/>
+          </a:prstGeom>
+          <a:noFill/>
+        </p:spPr>
+        <p:txBody>
+          <a:bodyPr wrap="none" rtlCol="0">
+            <a:spAutoFit/>
+          </a:bodyPr>
+          <a:lstStyle/>
+          <a:p>
+            <a:r>
+              <a:rPr lang="zh-TW" altLang="en-US" dirty="0" smtClean="0">
+                <a:solidFill>
+                  <a:schemeClr val="bg1"/>
+                </a:solidFill>
               </a:rPr>
-              <a:t>https://www.jjfish.com.tw/?lang=zh-TW</a:t>
-            </a:r>
-            <a:endParaRPr lang="en-US" altLang="zh-TW" sz="1600" dirty="0" smtClean="0">
-              <a:latin typeface="微軟正黑體" pitchFamily="34" charset="-120"/>
-              <a:ea typeface="微軟正黑體" pitchFamily="34" charset="-120"/>
+              <a:t>選單式</a:t>
+            </a:r>
+            <a:r>
+              <a:rPr lang="en-US" altLang="zh-TW" dirty="0" smtClean="0">
+                <a:solidFill>
+                  <a:schemeClr val="bg1"/>
+                </a:solidFill>
+              </a:rPr>
+              <a:t>:</a:t>
+            </a:r>
+            <a:r>
+              <a:rPr lang="zh-TW" altLang="en-US" dirty="0" smtClean="0">
+                <a:solidFill>
+                  <a:schemeClr val="bg1"/>
+                </a:solidFill>
+              </a:rPr>
+              <a:t>選擇數量</a:t>
+            </a:r>
+            <a:endParaRPr lang="en-US" altLang="zh-TW" dirty="0" smtClean="0">
+              <a:solidFill>
+                <a:schemeClr val="bg1"/>
+              </a:solidFill>
             </a:endParaRPr>
           </a:p>
           <a:p>
-            <a:endParaRPr lang="en-US" altLang="zh-TW" sz="1600" dirty="0" smtClean="0">
-              <a:latin typeface="微軟正黑體" pitchFamily="34" charset="-120"/>
-              <a:ea typeface="微軟正黑體" pitchFamily="34" charset="-120"/>
+            <a:r>
+              <a:rPr lang="zh-TW" altLang="en-US" dirty="0" smtClean="0">
+                <a:solidFill>
+                  <a:schemeClr val="bg1"/>
+                </a:solidFill>
+              </a:rPr>
+              <a:t>顯示該商品數量總金額</a:t>
+            </a:r>
+            <a:endParaRPr lang="en-US" altLang="zh-TW" dirty="0" smtClean="0">
+              <a:solidFill>
+                <a:schemeClr val="bg1"/>
+              </a:solidFill>
             </a:endParaRPr>
           </a:p>
           <a:p>
             <a:r>
-              <a:rPr lang="en-US" altLang="zh-TW" sz="1600" dirty="0" smtClean="0">
-                <a:latin typeface="微軟正黑體" pitchFamily="34" charset="-120"/>
-                <a:ea typeface="微軟正黑體" pitchFamily="34" charset="-120"/>
+              <a:rPr lang="zh-TW" altLang="en-US" dirty="0" smtClean="0">
+                <a:solidFill>
+                  <a:schemeClr val="bg1"/>
+                </a:solidFill>
               </a:rPr>
-              <a:t>W3School</a:t>
-            </a:r>
-          </a:p>
-          <a:p>
-            <a:r>
-              <a:rPr lang="en-US" altLang="zh-TW" sz="1600" dirty="0" smtClean="0">
-                <a:latin typeface="微軟正黑體" pitchFamily="34" charset="-120"/>
-                <a:ea typeface="微軟正黑體" pitchFamily="34" charset="-120"/>
-                <a:hlinkClick r:id="rId4"/>
+              <a:t>即可加入購物車</a:t>
+            </a:r>
+            <a:endParaRPr lang="zh-TW" altLang="en-US" dirty="0">
+              <a:solidFill>
+                <a:schemeClr val="bg1"/>
+              </a:solidFill>
+            </a:endParaRPr>
+          </a:p>
+        </p:txBody>
+      </p:sp>
+      <p:sp>
+        <p:nvSpPr>
+          <p:cNvPr id="9" name="矩形 8"/>
+          <p:cNvSpPr/>
+          <p:nvPr/>
+        </p:nvSpPr>
+        <p:spPr>
+          <a:xfrm>
+            <a:off x="3071802" y="6143644"/>
+            <a:ext cx="928694" cy="357190"/>
+          </a:xfrm>
+          <a:prstGeom prst="rect">
+            <a:avLst/>
+          </a:prstGeom>
+          <a:noFill/>
+        </p:spPr>
+        <p:style>
+          <a:lnRef idx="2">
+            <a:schemeClr val="accent1"/>
+          </a:lnRef>
+          <a:fillRef idx="1">
+            <a:schemeClr val="lt1"/>
+          </a:fillRef>
+          <a:effectRef idx="0">
+            <a:schemeClr val="accent1"/>
+          </a:effectRef>
+          <a:fontRef idx="minor">
+            <a:schemeClr val="dk1"/>
+          </a:fontRef>
+        </p:style>
+        <p:txBody>
+          <a:bodyPr rtlCol="0" anchor="ctr"/>
+          <a:lstStyle/>
+          <a:p>
+            <a:pPr algn="ctr"/>
+            <a:endParaRPr lang="zh-TW" altLang="en-US"/>
+          </a:p>
+        </p:txBody>
+      </p:sp>
+    </p:spTree>
+  </p:cSld>
+  <p:clrMapOvr>
+    <a:masterClrMapping/>
+  </p:clrMapOvr>
+</p:sld>
+</file>
+
+<file path=ppt/slides/slide8.xml><?xml version="1.0" encoding="utf-8"?>
+<p:sld xmlns:a="http://schemas.openxmlformats.org/drawingml/2006/main" xmlns:r="http://schemas.openxmlformats.org/officeDocument/2006/relationships" xmlns:p="http://schemas.openxmlformats.org/presentationml/2006/main">
+  <p:cSld>
+    <p:spTree>
+      <p:nvGrpSpPr>
+        <p:cNvPr id="1" name=""/>
+        <p:cNvGrpSpPr/>
+        <p:nvPr/>
+      </p:nvGrpSpPr>
+      <p:grpSpPr>
+        <a:xfrm>
+          <a:off x="0" y="0"/>
+          <a:ext cx="0" cy="0"/>
+          <a:chOff x="0" y="0"/>
+          <a:chExt cx="0" cy="0"/>
+        </a:xfrm>
+      </p:grpSpPr>
+      <p:sp>
+        <p:nvSpPr>
+          <p:cNvPr id="2" name="標題 1"/>
+          <p:cNvSpPr>
+            <a:spLocks noGrp="1"/>
+          </p:cNvSpPr>
+          <p:nvPr>
+            <p:ph type="title"/>
+          </p:nvPr>
+        </p:nvSpPr>
+        <p:spPr>
+          <a:xfrm>
+            <a:off x="428596" y="857232"/>
+            <a:ext cx="2612888" cy="857256"/>
+          </a:xfrm>
+        </p:spPr>
+        <p:txBody>
+          <a:bodyPr/>
+          <a:lstStyle/>
+          <a:p>
+            <a:r>
+              <a:rPr lang="zh-TW" altLang="en-US" dirty="0" smtClean="0"/>
+              <a:t>購物車</a:t>
+            </a:r>
+            <a:endParaRPr lang="zh-TW" altLang="en-US" dirty="0"/>
+          </a:p>
+        </p:txBody>
+      </p:sp>
+      <p:pic>
+        <p:nvPicPr>
+          <p:cNvPr id="4" name="圖片 3" descr="購物車頁.jpg"/>
+          <p:cNvPicPr>
+            <a:picLocks noChangeAspect="1"/>
+          </p:cNvPicPr>
+          <p:nvPr/>
+        </p:nvPicPr>
+        <p:blipFill>
+          <a:blip r:embed="rId2"/>
+          <a:stretch>
+            <a:fillRect/>
+          </a:stretch>
+        </p:blipFill>
+        <p:spPr>
+          <a:xfrm>
+            <a:off x="285720" y="1714488"/>
+            <a:ext cx="8715404" cy="5000660"/>
+          </a:xfrm>
+          <a:prstGeom prst="rect">
+            <a:avLst/>
+          </a:prstGeom>
+        </p:spPr>
+      </p:pic>
+      <p:sp>
+        <p:nvSpPr>
+          <p:cNvPr id="5" name="向下箭號 4"/>
+          <p:cNvSpPr/>
+          <p:nvPr/>
+        </p:nvSpPr>
+        <p:spPr>
+          <a:xfrm rot="10800000">
+            <a:off x="4786314" y="4857760"/>
+            <a:ext cx="214314" cy="714380"/>
+          </a:xfrm>
+          <a:prstGeom prst="downArrow">
+            <a:avLst/>
+          </a:prstGeom>
+        </p:spPr>
+        <p:style>
+          <a:lnRef idx="2">
+            <a:schemeClr val="accent2">
+              <a:shade val="50000"/>
+            </a:schemeClr>
+          </a:lnRef>
+          <a:fillRef idx="1">
+            <a:schemeClr val="accent2"/>
+          </a:fillRef>
+          <a:effectRef idx="0">
+            <a:schemeClr val="accent2"/>
+          </a:effectRef>
+          <a:fontRef idx="minor">
+            <a:schemeClr val="lt1"/>
+          </a:fontRef>
+        </p:style>
+        <p:txBody>
+          <a:bodyPr rtlCol="0" anchor="ctr"/>
+          <a:lstStyle/>
+          <a:p>
+            <a:pPr algn="ctr"/>
+            <a:endParaRPr lang="zh-TW" altLang="en-US"/>
+          </a:p>
+        </p:txBody>
+      </p:sp>
+      <p:sp>
+        <p:nvSpPr>
+          <p:cNvPr id="7" name="文字方塊 6"/>
+          <p:cNvSpPr txBox="1"/>
+          <p:nvPr/>
+        </p:nvSpPr>
+        <p:spPr>
+          <a:xfrm>
+            <a:off x="4714876" y="5643578"/>
+            <a:ext cx="2723823" cy="646331"/>
+          </a:xfrm>
+          <a:prstGeom prst="rect">
+            <a:avLst/>
+          </a:prstGeom>
+          <a:noFill/>
+        </p:spPr>
+        <p:txBody>
+          <a:bodyPr wrap="none" rtlCol="0">
+            <a:spAutoFit/>
+          </a:bodyPr>
+          <a:lstStyle/>
+          <a:p>
+            <a:r>
+              <a:rPr lang="zh-TW" altLang="en-US" dirty="0" smtClean="0">
+                <a:solidFill>
+                  <a:schemeClr val="bg1"/>
+                </a:solidFill>
               </a:rPr>
-              <a:t>https://www.w3schools.com/</a:t>
-            </a:r>
-            <a:endParaRPr lang="en-US" altLang="zh-TW" sz="1600" dirty="0" smtClean="0">
-              <a:latin typeface="微軟正黑體" pitchFamily="34" charset="-120"/>
-              <a:ea typeface="微軟正黑體" pitchFamily="34" charset="-120"/>
+              <a:t>動態顯示生成</a:t>
+            </a:r>
+            <a:endParaRPr lang="en-US" altLang="zh-TW" dirty="0" smtClean="0">
+              <a:solidFill>
+                <a:schemeClr val="bg1"/>
+              </a:solidFill>
             </a:endParaRPr>
           </a:p>
           <a:p>
-            <a:endParaRPr lang="en-US" altLang="zh-TW" sz="1600" dirty="0" smtClean="0">
-              <a:latin typeface="微軟正黑體" pitchFamily="34" charset="-120"/>
-              <a:ea typeface="微軟正黑體" pitchFamily="34" charset="-120"/>
+            <a:r>
+              <a:rPr lang="zh-TW" altLang="en-US" dirty="0" smtClean="0">
+                <a:solidFill>
+                  <a:schemeClr val="bg1"/>
+                </a:solidFill>
+              </a:rPr>
+              <a:t>從商品</a:t>
+            </a:r>
+            <a:r>
+              <a:rPr lang="zh-TW" altLang="en-US" dirty="0" smtClean="0">
+                <a:solidFill>
+                  <a:schemeClr val="bg1"/>
+                </a:solidFill>
+              </a:rPr>
+              <a:t>頁點擊後更新至此</a:t>
+            </a:r>
+            <a:endParaRPr lang="zh-TW" altLang="en-US" dirty="0">
+              <a:solidFill>
+                <a:schemeClr val="bg1"/>
+              </a:solidFill>
+            </a:endParaRPr>
+          </a:p>
+        </p:txBody>
+      </p:sp>
+      <p:sp>
+        <p:nvSpPr>
+          <p:cNvPr id="8" name="文字方塊 7"/>
+          <p:cNvSpPr txBox="1"/>
+          <p:nvPr/>
+        </p:nvSpPr>
+        <p:spPr>
+          <a:xfrm>
+            <a:off x="500034" y="2000240"/>
+            <a:ext cx="3416320" cy="369332"/>
+          </a:xfrm>
+          <a:prstGeom prst="rect">
+            <a:avLst/>
+          </a:prstGeom>
+          <a:noFill/>
+        </p:spPr>
+        <p:txBody>
+          <a:bodyPr wrap="none" rtlCol="0">
+            <a:spAutoFit/>
+          </a:bodyPr>
+          <a:lstStyle/>
+          <a:p>
+            <a:r>
+              <a:rPr lang="zh-TW" altLang="en-US" dirty="0" smtClean="0">
+                <a:solidFill>
+                  <a:schemeClr val="bg1"/>
+                </a:solidFill>
+              </a:rPr>
+              <a:t>檢視完購物車即可填寫付款資訊</a:t>
+            </a:r>
+            <a:endParaRPr lang="zh-TW" altLang="en-US" dirty="0">
+              <a:solidFill>
+                <a:schemeClr val="bg1"/>
+              </a:solidFill>
+            </a:endParaRPr>
+          </a:p>
+        </p:txBody>
+      </p:sp>
+      <p:sp>
+        <p:nvSpPr>
+          <p:cNvPr id="9" name="向下箭號 8"/>
+          <p:cNvSpPr/>
+          <p:nvPr/>
+        </p:nvSpPr>
+        <p:spPr>
+          <a:xfrm>
+            <a:off x="1785918" y="2428868"/>
+            <a:ext cx="214314" cy="714380"/>
+          </a:xfrm>
+          <a:prstGeom prst="downArrow">
+            <a:avLst/>
+          </a:prstGeom>
+        </p:spPr>
+        <p:style>
+          <a:lnRef idx="2">
+            <a:schemeClr val="accent2">
+              <a:shade val="50000"/>
+            </a:schemeClr>
+          </a:lnRef>
+          <a:fillRef idx="1">
+            <a:schemeClr val="accent2"/>
+          </a:fillRef>
+          <a:effectRef idx="0">
+            <a:schemeClr val="accent2"/>
+          </a:effectRef>
+          <a:fontRef idx="minor">
+            <a:schemeClr val="lt1"/>
+          </a:fontRef>
+        </p:style>
+        <p:txBody>
+          <a:bodyPr rtlCol="0" anchor="ctr"/>
+          <a:lstStyle/>
+          <a:p>
+            <a:pPr algn="ctr"/>
+            <a:endParaRPr lang="zh-TW" altLang="en-US"/>
+          </a:p>
+        </p:txBody>
+      </p:sp>
+    </p:spTree>
+  </p:cSld>
+  <p:clrMapOvr>
+    <a:masterClrMapping/>
+  </p:clrMapOvr>
+</p:sld>
+</file>
+
+<file path=ppt/slides/slide9.xml><?xml version="1.0" encoding="utf-8"?>
+<p:sld xmlns:a="http://schemas.openxmlformats.org/drawingml/2006/main" xmlns:r="http://schemas.openxmlformats.org/officeDocument/2006/relationships" xmlns:p="http://schemas.openxmlformats.org/presentationml/2006/main">
+  <p:cSld>
+    <p:spTree>
+      <p:nvGrpSpPr>
+        <p:cNvPr id="1" name=""/>
+        <p:cNvGrpSpPr/>
+        <p:nvPr/>
+      </p:nvGrpSpPr>
+      <p:grpSpPr>
+        <a:xfrm>
+          <a:off x="0" y="0"/>
+          <a:ext cx="0" cy="0"/>
+          <a:chOff x="0" y="0"/>
+          <a:chExt cx="0" cy="0"/>
+        </a:xfrm>
+      </p:grpSpPr>
+      <p:sp>
+        <p:nvSpPr>
+          <p:cNvPr id="2" name="標題 1"/>
+          <p:cNvSpPr>
+            <a:spLocks noGrp="1"/>
+          </p:cNvSpPr>
+          <p:nvPr>
+            <p:ph type="title"/>
+          </p:nvPr>
+        </p:nvSpPr>
+        <p:spPr>
+          <a:xfrm>
+            <a:off x="428596" y="928670"/>
+            <a:ext cx="2398574" cy="897818"/>
+          </a:xfrm>
+        </p:spPr>
+        <p:txBody>
+          <a:bodyPr/>
+          <a:lstStyle/>
+          <a:p>
+            <a:r>
+              <a:rPr lang="zh-TW" altLang="en-US" dirty="0" smtClean="0"/>
+              <a:t>關於頁</a:t>
+            </a:r>
+            <a:endParaRPr lang="zh-TW" altLang="en-US" dirty="0"/>
+          </a:p>
+        </p:txBody>
+      </p:sp>
+      <p:pic>
+        <p:nvPicPr>
+          <p:cNvPr id="7" name="圖片 6" descr="關於頁.jpg"/>
+          <p:cNvPicPr>
+            <a:picLocks noChangeAspect="1"/>
+          </p:cNvPicPr>
+          <p:nvPr/>
+        </p:nvPicPr>
+        <p:blipFill>
+          <a:blip r:embed="rId2" cstate="print"/>
+          <a:stretch>
+            <a:fillRect/>
+          </a:stretch>
+        </p:blipFill>
+        <p:spPr>
+          <a:xfrm>
+            <a:off x="642910" y="1857364"/>
+            <a:ext cx="7572428" cy="2670048"/>
+          </a:xfrm>
+          <a:prstGeom prst="rect">
+            <a:avLst/>
+          </a:prstGeom>
+        </p:spPr>
+      </p:pic>
+      <p:pic>
+        <p:nvPicPr>
+          <p:cNvPr id="8" name="圖片 7" descr="關於頁2.jpg"/>
+          <p:cNvPicPr>
+            <a:picLocks noChangeAspect="1"/>
+          </p:cNvPicPr>
+          <p:nvPr/>
+        </p:nvPicPr>
+        <p:blipFill>
+          <a:blip r:embed="rId3" cstate="print"/>
+          <a:stretch>
+            <a:fillRect/>
+          </a:stretch>
+        </p:blipFill>
+        <p:spPr>
+          <a:xfrm>
+            <a:off x="642910" y="4429132"/>
+            <a:ext cx="7566292" cy="2322576"/>
+          </a:xfrm>
+          <a:prstGeom prst="rect">
+            <a:avLst/>
+          </a:prstGeom>
+        </p:spPr>
+      </p:pic>
+      <p:sp>
+        <p:nvSpPr>
+          <p:cNvPr id="9" name="向下箭號 8"/>
+          <p:cNvSpPr/>
+          <p:nvPr/>
+        </p:nvSpPr>
+        <p:spPr>
+          <a:xfrm>
+            <a:off x="7858148" y="4500570"/>
+            <a:ext cx="214314" cy="1000132"/>
+          </a:xfrm>
+          <a:prstGeom prst="downArrow">
+            <a:avLst/>
+          </a:prstGeom>
+        </p:spPr>
+        <p:style>
+          <a:lnRef idx="2">
+            <a:schemeClr val="accent2">
+              <a:shade val="50000"/>
+            </a:schemeClr>
+          </a:lnRef>
+          <a:fillRef idx="1">
+            <a:schemeClr val="accent2"/>
+          </a:fillRef>
+          <a:effectRef idx="0">
+            <a:schemeClr val="accent2"/>
+          </a:effectRef>
+          <a:fontRef idx="minor">
+            <a:schemeClr val="lt1"/>
+          </a:fontRef>
+        </p:style>
+        <p:txBody>
+          <a:bodyPr rtlCol="0" anchor="ctr"/>
+          <a:lstStyle/>
+          <a:p>
+            <a:pPr algn="ctr"/>
+            <a:endParaRPr lang="zh-TW" altLang="en-US"/>
+          </a:p>
+        </p:txBody>
+      </p:sp>
+      <p:sp>
+        <p:nvSpPr>
+          <p:cNvPr id="10" name="文字方塊 9"/>
+          <p:cNvSpPr txBox="1"/>
+          <p:nvPr/>
+        </p:nvSpPr>
+        <p:spPr>
+          <a:xfrm>
+            <a:off x="5929322" y="4071942"/>
+            <a:ext cx="2321469" cy="369332"/>
+          </a:xfrm>
+          <a:prstGeom prst="rect">
+            <a:avLst/>
+          </a:prstGeom>
+          <a:noFill/>
+        </p:spPr>
+        <p:txBody>
+          <a:bodyPr wrap="none" rtlCol="0">
+            <a:spAutoFit/>
+          </a:bodyPr>
+          <a:lstStyle/>
+          <a:p>
+            <a:r>
+              <a:rPr lang="zh-TW" altLang="en-US" dirty="0" smtClean="0">
+                <a:solidFill>
+                  <a:schemeClr val="bg1"/>
+                </a:solidFill>
+              </a:rPr>
+              <a:t>選單式</a:t>
+            </a:r>
+            <a:r>
+              <a:rPr lang="en-US" altLang="zh-TW" dirty="0" smtClean="0">
+                <a:solidFill>
+                  <a:schemeClr val="bg1"/>
+                </a:solidFill>
+              </a:rPr>
+              <a:t>:</a:t>
+            </a:r>
+            <a:r>
+              <a:rPr lang="zh-TW" altLang="en-US" dirty="0" smtClean="0">
+                <a:solidFill>
+                  <a:schemeClr val="bg1"/>
+                </a:solidFill>
+              </a:rPr>
+              <a:t>選擇問題分類</a:t>
+            </a:r>
+            <a:endParaRPr lang="zh-TW" altLang="en-US" dirty="0">
+              <a:solidFill>
+                <a:schemeClr val="bg1"/>
+              </a:solidFill>
             </a:endParaRPr>
           </a:p>
         </p:txBody>

--- a/海鮮訂購網站.pptx
+++ b/海鮮訂購網站.pptx
@@ -4811,8 +4811,8 @@
         </p:nvSpPr>
         <p:spPr>
           <a:xfrm rot="5400000">
-            <a:off x="5822165" y="3821909"/>
-            <a:ext cx="214314" cy="714380"/>
+            <a:off x="6000760" y="3643314"/>
+            <a:ext cx="214314" cy="1071570"/>
           </a:xfrm>
           <a:prstGeom prst="downArrow">
             <a:avLst/>
@@ -4851,8 +4851,8 @@
         </p:nvSpPr>
         <p:spPr>
           <a:xfrm>
-            <a:off x="6357950" y="4000504"/>
-            <a:ext cx="1569660" cy="369332"/>
+            <a:off x="6643702" y="4000504"/>
+            <a:ext cx="1569660" cy="646331"/>
           </a:xfrm>
           <a:prstGeom prst="rect">
             <a:avLst/>
@@ -4871,7 +4871,30 @@
                   <a:schemeClr val="bg1"/>
                 </a:solidFill>
               </a:rPr>
-              <a:t>連結至商品頁</a:t>
+              <a:t>連結至商品</a:t>
+            </a:r>
+            <a:r>
+              <a:rPr lang="zh-TW" altLang="en-US" dirty="0" smtClean="0">
+                <a:solidFill>
+                  <a:schemeClr val="bg1"/>
+                </a:solidFill>
+              </a:rPr>
+              <a:t>頁</a:t>
+            </a:r>
+            <a:endParaRPr lang="en-US" altLang="zh-TW" dirty="0" smtClean="0">
+              <a:solidFill>
+                <a:schemeClr val="bg1"/>
+              </a:solidFill>
+            </a:endParaRPr>
+          </a:p>
+          <a:p>
+            <a:r>
+              <a:rPr lang="zh-TW" altLang="en-US" dirty="0" smtClean="0">
+                <a:solidFill>
+                  <a:schemeClr val="bg1"/>
+                </a:solidFill>
+              </a:rPr>
+              <a:t>閃爍按鈕引導</a:t>
             </a:r>
             <a:endParaRPr lang="zh-TW" altLang="en-US" dirty="0">
               <a:solidFill>
@@ -5006,8 +5029,8 @@
         </p:nvSpPr>
         <p:spPr>
           <a:xfrm>
-            <a:off x="6215074" y="4000504"/>
-            <a:ext cx="1569660" cy="369332"/>
+            <a:off x="6357950" y="3714752"/>
+            <a:ext cx="1569660" cy="646331"/>
           </a:xfrm>
           <a:prstGeom prst="rect">
             <a:avLst/>
@@ -5026,7 +5049,38 @@
                   <a:schemeClr val="bg1"/>
                 </a:solidFill>
               </a:rPr>
-              <a:t>連結至購物車</a:t>
+              <a:t>連結至購物</a:t>
+            </a:r>
+            <a:r>
+              <a:rPr lang="zh-TW" altLang="en-US" dirty="0" smtClean="0">
+                <a:solidFill>
+                  <a:schemeClr val="bg1"/>
+                </a:solidFill>
+              </a:rPr>
+              <a:t>車</a:t>
+            </a:r>
+            <a:endParaRPr lang="en-US" altLang="zh-TW" dirty="0" smtClean="0">
+              <a:solidFill>
+                <a:schemeClr val="bg1"/>
+              </a:solidFill>
+            </a:endParaRPr>
+          </a:p>
+          <a:p>
+            <a:r>
+              <a:rPr lang="zh-TW" altLang="en-US" dirty="0" smtClean="0">
+                <a:solidFill>
+                  <a:schemeClr val="bg1"/>
+                </a:solidFill>
+              </a:rPr>
+              <a:t>閃爍按鈕</a:t>
+            </a:r>
+            <a:r>
+              <a:rPr lang="zh-TW" altLang="en-US" dirty="0" smtClean="0">
+                <a:solidFill>
+                  <a:schemeClr val="bg1"/>
+                </a:solidFill>
+              </a:rPr>
+              <a:t>引導</a:t>
             </a:r>
             <a:endParaRPr lang="zh-TW" altLang="en-US" dirty="0">
               <a:solidFill>
@@ -5359,15 +5413,7 @@
                   <a:schemeClr val="bg1"/>
                 </a:solidFill>
               </a:rPr>
-              <a:t>從商品</a:t>
-            </a:r>
-            <a:r>
-              <a:rPr lang="zh-TW" altLang="en-US" dirty="0" smtClean="0">
-                <a:solidFill>
-                  <a:schemeClr val="bg1"/>
-                </a:solidFill>
-              </a:rPr>
-              <a:t>頁點擊後更新至此</a:t>
+              <a:t>從商品頁點擊後更新至此</a:t>
             </a:r>
             <a:endParaRPr lang="zh-TW" altLang="en-US" dirty="0">
               <a:solidFill>

--- a/海鮮訂購網站.pptx
+++ b/海鮮訂購網站.pptx
@@ -9,12 +9,11 @@
     <p:sldId id="258" r:id="rId3"/>
     <p:sldId id="257" r:id="rId4"/>
     <p:sldId id="259" r:id="rId5"/>
-    <p:sldId id="261" r:id="rId6"/>
-    <p:sldId id="262" r:id="rId7"/>
-    <p:sldId id="263" r:id="rId8"/>
-    <p:sldId id="264" r:id="rId9"/>
-    <p:sldId id="265" r:id="rId10"/>
-    <p:sldId id="260" r:id="rId11"/>
+    <p:sldId id="262" r:id="rId6"/>
+    <p:sldId id="263" r:id="rId7"/>
+    <p:sldId id="264" r:id="rId8"/>
+    <p:sldId id="265" r:id="rId9"/>
+    <p:sldId id="260" r:id="rId10"/>
   </p:sldIdLst>
   <p:sldSz cx="9144000" cy="6858000" type="screen4x3"/>
   <p:notesSz cx="6858000" cy="9144000"/>
@@ -4004,172 +4003,6 @@
 </p:sld>
 </file>
 
-<file path=ppt/slides/slide10.xml><?xml version="1.0" encoding="utf-8"?>
-<p:sld xmlns:a="http://schemas.openxmlformats.org/drawingml/2006/main" xmlns:r="http://schemas.openxmlformats.org/officeDocument/2006/relationships" xmlns:p="http://schemas.openxmlformats.org/presentationml/2006/main">
-  <p:cSld>
-    <p:spTree>
-      <p:nvGrpSpPr>
-        <p:cNvPr id="1" name=""/>
-        <p:cNvGrpSpPr/>
-        <p:nvPr/>
-      </p:nvGrpSpPr>
-      <p:grpSpPr>
-        <a:xfrm>
-          <a:off x="0" y="0"/>
-          <a:ext cx="0" cy="0"/>
-          <a:chOff x="0" y="0"/>
-          <a:chExt cx="0" cy="0"/>
-        </a:xfrm>
-      </p:grpSpPr>
-      <p:sp>
-        <p:nvSpPr>
-          <p:cNvPr id="2" name="標題 1"/>
-          <p:cNvSpPr>
-            <a:spLocks noGrp="1"/>
-          </p:cNvSpPr>
-          <p:nvPr>
-            <p:ph type="title"/>
-          </p:nvPr>
-        </p:nvSpPr>
-        <p:spPr/>
-        <p:txBody>
-          <a:bodyPr/>
-          <a:lstStyle/>
-          <a:p>
-            <a:r>
-              <a:rPr lang="zh-TW" altLang="en-US" dirty="0" smtClean="0"/>
-              <a:t>參考資料</a:t>
-            </a:r>
-            <a:endParaRPr lang="zh-TW" altLang="en-US" dirty="0"/>
-          </a:p>
-        </p:txBody>
-      </p:sp>
-      <p:sp>
-        <p:nvSpPr>
-          <p:cNvPr id="3" name="文字版面配置區 2"/>
-          <p:cNvSpPr>
-            <a:spLocks noGrp="1"/>
-          </p:cNvSpPr>
-          <p:nvPr>
-            <p:ph type="body" idx="1"/>
-          </p:nvPr>
-        </p:nvSpPr>
-        <p:spPr>
-          <a:xfrm>
-            <a:off x="530352" y="2704664"/>
-            <a:ext cx="7772400" cy="3724732"/>
-          </a:xfrm>
-        </p:spPr>
-        <p:txBody>
-          <a:bodyPr>
-            <a:normAutofit/>
-          </a:bodyPr>
-          <a:lstStyle/>
-          <a:p>
-            <a:r>
-              <a:rPr lang="zh-TW" altLang="en-US" sz="1600" dirty="0" smtClean="0">
-                <a:latin typeface="微軟正黑體" pitchFamily="34" charset="-120"/>
-                <a:ea typeface="微軟正黑體" pitchFamily="34" charset="-120"/>
-              </a:rPr>
-              <a:t>曾海味</a:t>
-            </a:r>
-            <a:endParaRPr lang="en-US" altLang="zh-TW" sz="1600" dirty="0" smtClean="0">
-              <a:latin typeface="微軟正黑體" pitchFamily="34" charset="-120"/>
-              <a:ea typeface="微軟正黑體" pitchFamily="34" charset="-120"/>
-            </a:endParaRPr>
-          </a:p>
-          <a:p>
-            <a:r>
-              <a:rPr lang="en-US" altLang="zh-TW" sz="1600" dirty="0" smtClean="0">
-                <a:latin typeface="微軟正黑體" pitchFamily="34" charset="-120"/>
-                <a:ea typeface="微軟正黑體" pitchFamily="34" charset="-120"/>
-                <a:hlinkClick r:id="rId2"/>
-              </a:rPr>
-              <a:t>https://www.zenghaiwei.com/?gclid=Cj0KCQjw94WZBhDtARIsAKxWG--c3avir0RnfgDEIa_r0QNPTvo7SZGPnYBxTHCxnSJ4XsMElto-o6IaAof3EALw_wcB</a:t>
-            </a:r>
-            <a:endParaRPr lang="en-US" altLang="zh-TW" sz="1600" dirty="0" smtClean="0">
-              <a:latin typeface="微軟正黑體" pitchFamily="34" charset="-120"/>
-              <a:ea typeface="微軟正黑體" pitchFamily="34" charset="-120"/>
-            </a:endParaRPr>
-          </a:p>
-          <a:p>
-            <a:endParaRPr lang="en-US" altLang="zh-TW" sz="1600" dirty="0" smtClean="0">
-              <a:latin typeface="微軟正黑體" pitchFamily="34" charset="-120"/>
-              <a:ea typeface="微軟正黑體" pitchFamily="34" charset="-120"/>
-            </a:endParaRPr>
-          </a:p>
-          <a:p>
-            <a:r>
-              <a:rPr lang="zh-TW" altLang="en-US" sz="1600" dirty="0" smtClean="0">
-                <a:latin typeface="微軟正黑體" pitchFamily="34" charset="-120"/>
-                <a:ea typeface="微軟正黑體" pitchFamily="34" charset="-120"/>
-              </a:rPr>
-              <a:t>佐佐鮮</a:t>
-            </a:r>
-            <a:endParaRPr lang="en-US" altLang="zh-TW" sz="1600" dirty="0" smtClean="0">
-              <a:latin typeface="微軟正黑體" pitchFamily="34" charset="-120"/>
-              <a:ea typeface="微軟正黑體" pitchFamily="34" charset="-120"/>
-            </a:endParaRPr>
-          </a:p>
-          <a:p>
-            <a:r>
-              <a:rPr lang="en-US" altLang="zh-TW" sz="1600" dirty="0" smtClean="0">
-                <a:latin typeface="微軟正黑體" pitchFamily="34" charset="-120"/>
-                <a:ea typeface="微軟正黑體" pitchFamily="34" charset="-120"/>
-                <a:hlinkClick r:id="rId3"/>
-              </a:rPr>
-              <a:t>https://www.jjfish.com.tw/?lang=zh-TW</a:t>
-            </a:r>
-            <a:endParaRPr lang="en-US" altLang="zh-TW" sz="1600" dirty="0" smtClean="0">
-              <a:latin typeface="微軟正黑體" pitchFamily="34" charset="-120"/>
-              <a:ea typeface="微軟正黑體" pitchFamily="34" charset="-120"/>
-            </a:endParaRPr>
-          </a:p>
-          <a:p>
-            <a:endParaRPr lang="en-US" altLang="zh-TW" sz="1600" dirty="0" smtClean="0">
-              <a:latin typeface="微軟正黑體" pitchFamily="34" charset="-120"/>
-              <a:ea typeface="微軟正黑體" pitchFamily="34" charset="-120"/>
-            </a:endParaRPr>
-          </a:p>
-          <a:p>
-            <a:r>
-              <a:rPr lang="en-US" altLang="zh-TW" sz="1600" dirty="0" smtClean="0">
-                <a:latin typeface="微軟正黑體" pitchFamily="34" charset="-120"/>
-                <a:ea typeface="微軟正黑體" pitchFamily="34" charset="-120"/>
-              </a:rPr>
-              <a:t>W3School</a:t>
-            </a:r>
-          </a:p>
-          <a:p>
-            <a:r>
-              <a:rPr lang="en-US" altLang="zh-TW" sz="1600" dirty="0" smtClean="0">
-                <a:latin typeface="微軟正黑體" pitchFamily="34" charset="-120"/>
-                <a:ea typeface="微軟正黑體" pitchFamily="34" charset="-120"/>
-                <a:hlinkClick r:id="rId4"/>
-              </a:rPr>
-              <a:t>https://www.w3schools.com/</a:t>
-            </a:r>
-            <a:endParaRPr lang="en-US" altLang="zh-TW" sz="1600" dirty="0" smtClean="0">
-              <a:latin typeface="微軟正黑體" pitchFamily="34" charset="-120"/>
-              <a:ea typeface="微軟正黑體" pitchFamily="34" charset="-120"/>
-            </a:endParaRPr>
-          </a:p>
-          <a:p>
-            <a:endParaRPr lang="en-US" altLang="zh-TW" sz="1600" dirty="0" smtClean="0">
-              <a:latin typeface="微軟正黑體" pitchFamily="34" charset="-120"/>
-              <a:ea typeface="微軟正黑體" pitchFamily="34" charset="-120"/>
-            </a:endParaRPr>
-          </a:p>
-        </p:txBody>
-      </p:sp>
-    </p:spTree>
-  </p:cSld>
-  <p:clrMapOvr>
-    <a:masterClrMapping/>
-  </p:clrMapOvr>
-</p:sld>
-</file>
-
 <file path=ppt/slides/slide2.xml><?xml version="1.0" encoding="utf-8"?>
 <p:sld xmlns:a="http://schemas.openxmlformats.org/drawingml/2006/main" xmlns:r="http://schemas.openxmlformats.org/officeDocument/2006/relationships" xmlns:p="http://schemas.openxmlformats.org/presentationml/2006/main">
   <p:cSld>
@@ -4494,71 +4327,302 @@
             <p:ph type="title"/>
           </p:nvPr>
         </p:nvSpPr>
-        <p:spPr/>
+        <p:spPr>
+          <a:xfrm>
+            <a:off x="642910" y="642918"/>
+            <a:ext cx="1684194" cy="1362456"/>
+          </a:xfrm>
+        </p:spPr>
         <p:txBody>
           <a:bodyPr/>
           <a:lstStyle/>
           <a:p>
             <a:r>
               <a:rPr lang="zh-TW" altLang="en-US" dirty="0" smtClean="0"/>
-              <a:t>困難點</a:t>
+              <a:t>首頁</a:t>
             </a:r>
             <a:endParaRPr lang="zh-TW" altLang="en-US" dirty="0"/>
           </a:p>
         </p:txBody>
       </p:sp>
-      <p:sp>
-        <p:nvSpPr>
-          <p:cNvPr id="3" name="文字版面配置區 2"/>
-          <p:cNvSpPr>
-            <a:spLocks noGrp="1"/>
-          </p:cNvSpPr>
-          <p:nvPr>
-            <p:ph type="body" idx="1"/>
-          </p:nvPr>
-        </p:nvSpPr>
+      <p:pic>
+        <p:nvPicPr>
+          <p:cNvPr id="5" name="圖片 4" descr="主頁.jpg"/>
+          <p:cNvPicPr>
+            <a:picLocks noChangeAspect="1"/>
+          </p:cNvPicPr>
+          <p:nvPr/>
+        </p:nvPicPr>
+        <p:blipFill>
+          <a:blip r:embed="rId2"/>
+          <a:stretch>
+            <a:fillRect/>
+          </a:stretch>
+        </p:blipFill>
         <p:spPr>
           <a:xfrm>
-            <a:off x="500034" y="3429000"/>
-            <a:ext cx="7772400" cy="1509712"/>
-          </a:xfrm>
-        </p:spPr>
-        <p:txBody>
-          <a:bodyPr/>
-          <a:lstStyle/>
-          <a:p>
-            <a:r>
-              <a:rPr lang="zh-TW" altLang="en-US" dirty="0" smtClean="0"/>
-              <a:t>將商品按鈕的數量及價錢動態生成</a:t>
-            </a:r>
-            <a:endParaRPr lang="en-US" altLang="zh-TW" dirty="0" smtClean="0"/>
-          </a:p>
-          <a:p>
-            <a:r>
-              <a:rPr lang="zh-TW" altLang="en-US" dirty="0" smtClean="0"/>
-              <a:t>問老師</a:t>
-            </a:r>
-            <a:r>
-              <a:rPr lang="en-US" altLang="zh-TW" dirty="0" smtClean="0"/>
-              <a:t>.</a:t>
-            </a:r>
-            <a:r>
-              <a:rPr lang="zh-TW" altLang="en-US" dirty="0" smtClean="0"/>
-              <a:t>問同學</a:t>
-            </a:r>
-            <a:r>
-              <a:rPr lang="en-US" altLang="zh-TW" dirty="0" smtClean="0"/>
-              <a:t>.</a:t>
-            </a:r>
-            <a:r>
-              <a:rPr lang="zh-TW" altLang="en-US" dirty="0" smtClean="0"/>
-              <a:t>問</a:t>
-            </a:r>
-            <a:r>
-              <a:rPr lang="en-US" altLang="zh-TW" dirty="0" smtClean="0"/>
-              <a:t>Google...</a:t>
-            </a:r>
-            <a:endParaRPr lang="zh-TW" altLang="en-US" dirty="0"/>
+            <a:off x="642910" y="2000240"/>
+            <a:ext cx="7857752" cy="4446482"/>
+          </a:xfrm>
+          <a:prstGeom prst="rect">
+            <a:avLst/>
+          </a:prstGeom>
+        </p:spPr>
+      </p:pic>
+      <p:sp>
+        <p:nvSpPr>
+          <p:cNvPr id="6" name="文字方塊 5"/>
+          <p:cNvSpPr txBox="1"/>
+          <p:nvPr/>
+        </p:nvSpPr>
+        <p:spPr>
+          <a:xfrm>
+            <a:off x="642910" y="3429000"/>
+            <a:ext cx="2299347" cy="369332"/>
+          </a:xfrm>
+          <a:prstGeom prst="rect">
+            <a:avLst/>
+          </a:prstGeom>
+          <a:noFill/>
+        </p:spPr>
+        <p:txBody>
+          <a:bodyPr wrap="none" rtlCol="0">
+            <a:spAutoFit/>
+          </a:bodyPr>
+          <a:lstStyle/>
+          <a:p>
+            <a:r>
+              <a:rPr lang="en-US" altLang="zh-TW" dirty="0" smtClean="0">
+                <a:solidFill>
+                  <a:schemeClr val="bg1"/>
+                </a:solidFill>
+              </a:rPr>
+              <a:t>Header</a:t>
+            </a:r>
+            <a:r>
+              <a:rPr lang="zh-TW" altLang="en-US" dirty="0" smtClean="0">
+                <a:solidFill>
+                  <a:schemeClr val="bg1"/>
+                </a:solidFill>
+              </a:rPr>
+              <a:t>下方四顆按鈕</a:t>
+            </a:r>
+            <a:endParaRPr lang="zh-TW" altLang="en-US" dirty="0">
+              <a:solidFill>
+                <a:schemeClr val="bg1"/>
+              </a:solidFill>
+            </a:endParaRPr>
+          </a:p>
+        </p:txBody>
+      </p:sp>
+      <p:sp>
+        <p:nvSpPr>
+          <p:cNvPr id="9" name="向下箭號 8"/>
+          <p:cNvSpPr/>
+          <p:nvPr/>
+        </p:nvSpPr>
+        <p:spPr>
+          <a:xfrm rot="10800000">
+            <a:off x="1000100" y="2714620"/>
+            <a:ext cx="214314" cy="714380"/>
+          </a:xfrm>
+          <a:prstGeom prst="downArrow">
+            <a:avLst/>
+          </a:prstGeom>
+        </p:spPr>
+        <p:style>
+          <a:lnRef idx="2">
+            <a:schemeClr val="accent2">
+              <a:shade val="50000"/>
+            </a:schemeClr>
+          </a:lnRef>
+          <a:fillRef idx="1">
+            <a:schemeClr val="accent2"/>
+          </a:fillRef>
+          <a:effectRef idx="0">
+            <a:schemeClr val="accent2"/>
+          </a:effectRef>
+          <a:fontRef idx="minor">
+            <a:schemeClr val="lt1"/>
+          </a:fontRef>
+        </p:style>
+        <p:txBody>
+          <a:bodyPr rtlCol="0" anchor="ctr"/>
+          <a:lstStyle/>
+          <a:p>
+            <a:pPr algn="ctr"/>
+            <a:endParaRPr lang="zh-TW" altLang="en-US"/>
+          </a:p>
+        </p:txBody>
+      </p:sp>
+      <p:sp>
+        <p:nvSpPr>
+          <p:cNvPr id="11" name="向下箭號 10"/>
+          <p:cNvSpPr/>
+          <p:nvPr/>
+        </p:nvSpPr>
+        <p:spPr>
+          <a:xfrm rot="5400000">
+            <a:off x="6107917" y="3036091"/>
+            <a:ext cx="214314" cy="714380"/>
+          </a:xfrm>
+          <a:prstGeom prst="downArrow">
+            <a:avLst/>
+          </a:prstGeom>
+        </p:spPr>
+        <p:style>
+          <a:lnRef idx="2">
+            <a:schemeClr val="accent2">
+              <a:shade val="50000"/>
+            </a:schemeClr>
+          </a:lnRef>
+          <a:fillRef idx="1">
+            <a:schemeClr val="accent2"/>
+          </a:fillRef>
+          <a:effectRef idx="0">
+            <a:schemeClr val="accent2"/>
+          </a:effectRef>
+          <a:fontRef idx="minor">
+            <a:schemeClr val="lt1"/>
+          </a:fontRef>
+        </p:style>
+        <p:txBody>
+          <a:bodyPr rtlCol="0" anchor="ctr"/>
+          <a:lstStyle/>
+          <a:p>
+            <a:pPr algn="ctr"/>
+            <a:endParaRPr lang="zh-TW" altLang="en-US"/>
+          </a:p>
+        </p:txBody>
+      </p:sp>
+      <p:sp>
+        <p:nvSpPr>
+          <p:cNvPr id="12" name="文字方塊 11"/>
+          <p:cNvSpPr txBox="1"/>
+          <p:nvPr/>
+        </p:nvSpPr>
+        <p:spPr>
+          <a:xfrm>
+            <a:off x="6643702" y="3214686"/>
+            <a:ext cx="877163" cy="369332"/>
+          </a:xfrm>
+          <a:prstGeom prst="rect">
+            <a:avLst/>
+          </a:prstGeom>
+          <a:noFill/>
+        </p:spPr>
+        <p:txBody>
+          <a:bodyPr wrap="none" rtlCol="0">
+            <a:spAutoFit/>
+          </a:bodyPr>
+          <a:lstStyle/>
+          <a:p>
+            <a:r>
+              <a:rPr lang="zh-TW" altLang="en-US" dirty="0" smtClean="0">
+                <a:solidFill>
+                  <a:schemeClr val="bg1"/>
+                </a:solidFill>
+              </a:rPr>
+              <a:t>跑馬燈</a:t>
+            </a:r>
+            <a:endParaRPr lang="zh-TW" altLang="en-US" dirty="0">
+              <a:solidFill>
+                <a:schemeClr val="bg1"/>
+              </a:solidFill>
+            </a:endParaRPr>
+          </a:p>
+        </p:txBody>
+      </p:sp>
+      <p:sp>
+        <p:nvSpPr>
+          <p:cNvPr id="13" name="向下箭號 12"/>
+          <p:cNvSpPr/>
+          <p:nvPr/>
+        </p:nvSpPr>
+        <p:spPr>
+          <a:xfrm rot="5400000">
+            <a:off x="6000760" y="3643314"/>
+            <a:ext cx="214314" cy="1071570"/>
+          </a:xfrm>
+          <a:prstGeom prst="downArrow">
+            <a:avLst/>
+          </a:prstGeom>
+        </p:spPr>
+        <p:style>
+          <a:lnRef idx="2">
+            <a:schemeClr val="accent2">
+              <a:shade val="50000"/>
+            </a:schemeClr>
+          </a:lnRef>
+          <a:fillRef idx="1">
+            <a:schemeClr val="accent2"/>
+          </a:fillRef>
+          <a:effectRef idx="0">
+            <a:schemeClr val="accent2"/>
+          </a:effectRef>
+          <a:fontRef idx="minor">
+            <a:schemeClr val="lt1"/>
+          </a:fontRef>
+        </p:style>
+        <p:txBody>
+          <a:bodyPr rtlCol="0" anchor="ctr"/>
+          <a:lstStyle/>
+          <a:p>
+            <a:pPr algn="ctr"/>
+            <a:endParaRPr lang="zh-TW" altLang="en-US"/>
+          </a:p>
+        </p:txBody>
+      </p:sp>
+      <p:sp>
+        <p:nvSpPr>
+          <p:cNvPr id="14" name="文字方塊 13"/>
+          <p:cNvSpPr txBox="1"/>
+          <p:nvPr/>
+        </p:nvSpPr>
+        <p:spPr>
+          <a:xfrm>
+            <a:off x="6643702" y="4000504"/>
+            <a:ext cx="1569660" cy="646331"/>
+          </a:xfrm>
+          <a:prstGeom prst="rect">
+            <a:avLst/>
+          </a:prstGeom>
+          <a:noFill/>
+        </p:spPr>
+        <p:txBody>
+          <a:bodyPr wrap="none" rtlCol="0">
+            <a:spAutoFit/>
+          </a:bodyPr>
+          <a:lstStyle/>
+          <a:p>
+            <a:r>
+              <a:rPr lang="zh-TW" altLang="en-US" dirty="0" smtClean="0">
+                <a:solidFill>
+                  <a:schemeClr val="bg1"/>
+                </a:solidFill>
+              </a:rPr>
+              <a:t>連結至商品頁</a:t>
+            </a:r>
+            <a:endParaRPr lang="en-US" altLang="zh-TW" dirty="0" smtClean="0">
+              <a:solidFill>
+                <a:schemeClr val="bg1"/>
+              </a:solidFill>
+            </a:endParaRPr>
+          </a:p>
+          <a:p>
+            <a:r>
+              <a:rPr lang="zh-TW" altLang="en-US" dirty="0" smtClean="0">
+                <a:solidFill>
+                  <a:schemeClr val="bg1"/>
+                </a:solidFill>
+              </a:rPr>
+              <a:t>閃爍按鈕引導</a:t>
+            </a:r>
+            <a:endParaRPr lang="zh-TW" altLang="en-US" dirty="0">
+              <a:solidFill>
+                <a:schemeClr val="bg1"/>
+              </a:solidFill>
+            </a:endParaRPr>
           </a:p>
         </p:txBody>
       </p:sp>
@@ -4599,8 +4663,8 @@
         </p:nvSpPr>
         <p:spPr>
           <a:xfrm>
-            <a:off x="642910" y="642918"/>
-            <a:ext cx="1684194" cy="1362456"/>
+            <a:off x="428596" y="642918"/>
+            <a:ext cx="2470012" cy="1005266"/>
           </a:xfrm>
         </p:spPr>
         <p:txBody>
@@ -4609,7 +4673,7 @@
           <a:p>
             <a:r>
               <a:rPr lang="zh-TW" altLang="en-US" dirty="0" smtClean="0"/>
-              <a:t>首頁</a:t>
+              <a:t>商品頁</a:t>
             </a:r>
             <a:endParaRPr lang="zh-TW" altLang="en-US" dirty="0"/>
           </a:p>
@@ -4617,7 +4681,7 @@
       </p:sp>
       <p:pic>
         <p:nvPicPr>
-          <p:cNvPr id="5" name="圖片 4" descr="主頁.jpg"/>
+          <p:cNvPr id="4" name="圖片 3" descr="商品頁.jpg"/>
           <p:cNvPicPr>
             <a:picLocks noChangeAspect="1"/>
           </p:cNvPicPr>
@@ -4631,8 +4695,8 @@
         </p:blipFill>
         <p:spPr>
           <a:xfrm>
-            <a:off x="642910" y="2000240"/>
-            <a:ext cx="7857752" cy="4446482"/>
+            <a:off x="357158" y="1643050"/>
+            <a:ext cx="8501122" cy="5000660"/>
           </a:xfrm>
           <a:prstGeom prst="rect">
             <a:avLst/>
@@ -4641,59 +4705,13 @@
       </p:pic>
       <p:sp>
         <p:nvSpPr>
-          <p:cNvPr id="6" name="文字方塊 5"/>
-          <p:cNvSpPr txBox="1"/>
-          <p:nvPr/>
-        </p:nvSpPr>
-        <p:spPr>
-          <a:xfrm>
-            <a:off x="642910" y="3429000"/>
-            <a:ext cx="2299347" cy="369332"/>
-          </a:xfrm>
-          <a:prstGeom prst="rect">
-            <a:avLst/>
-          </a:prstGeom>
-          <a:noFill/>
-        </p:spPr>
-        <p:txBody>
-          <a:bodyPr wrap="none" rtlCol="0">
-            <a:spAutoFit/>
-          </a:bodyPr>
-          <a:lstStyle/>
-          <a:p>
-            <a:r>
-              <a:rPr lang="en-US" altLang="zh-TW" dirty="0" smtClean="0">
-                <a:solidFill>
-                  <a:schemeClr val="bg1"/>
-                </a:solidFill>
-              </a:rPr>
-              <a:t>Header</a:t>
-            </a:r>
-            <a:r>
-              <a:rPr lang="zh-TW" altLang="en-US" dirty="0" smtClean="0">
-                <a:solidFill>
-                  <a:schemeClr val="bg1"/>
-                </a:solidFill>
-              </a:rPr>
-              <a:t>下方四顆按鈕</a:t>
-            </a:r>
-            <a:endParaRPr lang="zh-TW" altLang="en-US" dirty="0">
-              <a:solidFill>
-                <a:schemeClr val="bg1"/>
-              </a:solidFill>
-            </a:endParaRPr>
-          </a:p>
-        </p:txBody>
-      </p:sp>
-      <p:sp>
-        <p:nvSpPr>
-          <p:cNvPr id="9" name="向下箭號 8"/>
+          <p:cNvPr id="5" name="向下箭號 4"/>
           <p:cNvSpPr/>
           <p:nvPr/>
         </p:nvSpPr>
         <p:spPr>
-          <a:xfrm rot="10800000">
-            <a:off x="1000100" y="2714620"/>
+          <a:xfrm rot="5400000">
+            <a:off x="5822165" y="3893347"/>
             <a:ext cx="214314" cy="714380"/>
           </a:xfrm>
           <a:prstGeom prst="downArrow">
@@ -4727,14 +4745,67 @@
       </p:sp>
       <p:sp>
         <p:nvSpPr>
-          <p:cNvPr id="11" name="向下箭號 10"/>
+          <p:cNvPr id="6" name="文字方塊 5"/>
+          <p:cNvSpPr txBox="1"/>
+          <p:nvPr/>
+        </p:nvSpPr>
+        <p:spPr>
+          <a:xfrm>
+            <a:off x="6357950" y="3714752"/>
+            <a:ext cx="1569660" cy="646331"/>
+          </a:xfrm>
+          <a:prstGeom prst="rect">
+            <a:avLst/>
+          </a:prstGeom>
+          <a:noFill/>
+        </p:spPr>
+        <p:txBody>
+          <a:bodyPr wrap="none" rtlCol="0">
+            <a:spAutoFit/>
+          </a:bodyPr>
+          <a:lstStyle/>
+          <a:p>
+            <a:r>
+              <a:rPr lang="zh-TW" altLang="en-US" dirty="0" smtClean="0">
+                <a:solidFill>
+                  <a:schemeClr val="bg1"/>
+                </a:solidFill>
+              </a:rPr>
+              <a:t>連結至購物車</a:t>
+            </a:r>
+            <a:endParaRPr lang="en-US" altLang="zh-TW" dirty="0" smtClean="0">
+              <a:solidFill>
+                <a:schemeClr val="bg1"/>
+              </a:solidFill>
+            </a:endParaRPr>
+          </a:p>
+          <a:p>
+            <a:r>
+              <a:rPr lang="zh-TW" altLang="en-US" dirty="0" smtClean="0">
+                <a:solidFill>
+                  <a:schemeClr val="bg1"/>
+                </a:solidFill>
+              </a:rPr>
+              <a:t>閃爍按鈕引導</a:t>
+            </a:r>
+            <a:endParaRPr lang="zh-TW" altLang="en-US" dirty="0">
+              <a:solidFill>
+                <a:schemeClr val="bg1"/>
+              </a:solidFill>
+            </a:endParaRPr>
+          </a:p>
+        </p:txBody>
+      </p:sp>
+      <p:sp>
+        <p:nvSpPr>
+          <p:cNvPr id="7" name="向下箭號 6"/>
           <p:cNvSpPr/>
           <p:nvPr/>
         </p:nvSpPr>
         <p:spPr>
-          <a:xfrm rot="5400000">
-            <a:off x="6107917" y="3036091"/>
-            <a:ext cx="214314" cy="714380"/>
+          <a:xfrm rot="19936969">
+            <a:off x="2707715" y="3997079"/>
+            <a:ext cx="214314" cy="2173539"/>
           </a:xfrm>
           <a:prstGeom prst="downArrow">
             <a:avLst/>
@@ -4767,14 +4838,14 @@
       </p:sp>
       <p:sp>
         <p:nvSpPr>
-          <p:cNvPr id="12" name="文字方塊 11"/>
+          <p:cNvPr id="8" name="文字方塊 7"/>
           <p:cNvSpPr txBox="1"/>
           <p:nvPr/>
         </p:nvSpPr>
         <p:spPr>
           <a:xfrm>
-            <a:off x="6643702" y="3214686"/>
-            <a:ext cx="877163" cy="369332"/>
+            <a:off x="785786" y="3143248"/>
+            <a:ext cx="2492990" cy="923330"/>
           </a:xfrm>
           <a:prstGeom prst="rect">
             <a:avLst/>
@@ -4793,7 +4864,53 @@
                   <a:schemeClr val="bg1"/>
                 </a:solidFill>
               </a:rPr>
-              <a:t>跑馬燈</a:t>
+              <a:t>選單式</a:t>
+            </a:r>
+            <a:r>
+              <a:rPr lang="en-US" altLang="zh-TW" dirty="0" smtClean="0">
+                <a:solidFill>
+                  <a:schemeClr val="bg1"/>
+                </a:solidFill>
+              </a:rPr>
+              <a:t>:</a:t>
+            </a:r>
+            <a:r>
+              <a:rPr lang="zh-TW" altLang="en-US" dirty="0" smtClean="0">
+                <a:solidFill>
+                  <a:schemeClr val="bg1"/>
+                </a:solidFill>
+              </a:rPr>
+              <a:t>選擇數量</a:t>
+            </a:r>
+            <a:endParaRPr lang="en-US" altLang="zh-TW" dirty="0" smtClean="0">
+              <a:solidFill>
+                <a:schemeClr val="bg1"/>
+              </a:solidFill>
+            </a:endParaRPr>
+          </a:p>
+          <a:p>
+            <a:r>
+              <a:rPr lang="zh-TW" altLang="en-US" dirty="0" smtClean="0">
+                <a:solidFill>
+                  <a:schemeClr val="bg1"/>
+                </a:solidFill>
+              </a:rPr>
+              <a:t>顯示該商品數量總金額</a:t>
+            </a:r>
+            <a:endParaRPr lang="en-US" altLang="zh-TW" dirty="0" smtClean="0">
+              <a:solidFill>
+                <a:schemeClr val="bg1"/>
+              </a:solidFill>
+            </a:endParaRPr>
+          </a:p>
+          <a:p>
+            <a:r>
+              <a:rPr lang="zh-TW" altLang="en-US" dirty="0" smtClean="0">
+                <a:solidFill>
+                  <a:schemeClr val="bg1"/>
+                </a:solidFill>
+              </a:rPr>
+              <a:t>即可加入購物車</a:t>
             </a:r>
             <a:endParaRPr lang="zh-TW" altLang="en-US" dirty="0">
               <a:solidFill>
@@ -4805,102 +4922,40 @@
       </p:sp>
       <p:sp>
         <p:nvSpPr>
-          <p:cNvPr id="13" name="向下箭號 12"/>
+          <p:cNvPr id="9" name="矩形 8"/>
           <p:cNvSpPr/>
           <p:nvPr/>
         </p:nvSpPr>
         <p:spPr>
-          <a:xfrm rot="5400000">
-            <a:off x="6000760" y="3643314"/>
-            <a:ext cx="214314" cy="1071570"/>
-          </a:xfrm>
-          <a:prstGeom prst="downArrow">
-            <a:avLst/>
-          </a:prstGeom>
-        </p:spPr>
-        <p:style>
-          <a:lnRef idx="2">
-            <a:schemeClr val="accent2">
-              <a:shade val="50000"/>
-            </a:schemeClr>
-          </a:lnRef>
-          <a:fillRef idx="1">
-            <a:schemeClr val="accent2"/>
-          </a:fillRef>
-          <a:effectRef idx="0">
-            <a:schemeClr val="accent2"/>
-          </a:effectRef>
-          <a:fontRef idx="minor">
-            <a:schemeClr val="lt1"/>
-          </a:fontRef>
-        </p:style>
-        <p:txBody>
-          <a:bodyPr rtlCol="0" anchor="ctr"/>
-          <a:lstStyle/>
-          <a:p>
-            <a:pPr algn="ctr"/>
-            <a:endParaRPr lang="zh-TW" altLang="en-US"/>
-          </a:p>
-        </p:txBody>
-      </p:sp>
-      <p:sp>
-        <p:nvSpPr>
-          <p:cNvPr id="14" name="文字方塊 13"/>
-          <p:cNvSpPr txBox="1"/>
-          <p:nvPr/>
-        </p:nvSpPr>
-        <p:spPr>
           <a:xfrm>
-            <a:off x="6643702" y="4000504"/>
-            <a:ext cx="1569660" cy="646331"/>
+            <a:off x="3071802" y="6143644"/>
+            <a:ext cx="928694" cy="357190"/>
           </a:xfrm>
           <a:prstGeom prst="rect">
             <a:avLst/>
           </a:prstGeom>
           <a:noFill/>
         </p:spPr>
-        <p:txBody>
-          <a:bodyPr wrap="none" rtlCol="0">
-            <a:spAutoFit/>
-          </a:bodyPr>
-          <a:lstStyle/>
-          <a:p>
-            <a:r>
-              <a:rPr lang="zh-TW" altLang="en-US" dirty="0" smtClean="0">
-                <a:solidFill>
-                  <a:schemeClr val="bg1"/>
-                </a:solidFill>
-              </a:rPr>
-              <a:t>連結至商品</a:t>
-            </a:r>
-            <a:r>
-              <a:rPr lang="zh-TW" altLang="en-US" dirty="0" smtClean="0">
-                <a:solidFill>
-                  <a:schemeClr val="bg1"/>
-                </a:solidFill>
-              </a:rPr>
-              <a:t>頁</a:t>
-            </a:r>
-            <a:endParaRPr lang="en-US" altLang="zh-TW" dirty="0" smtClean="0">
-              <a:solidFill>
-                <a:schemeClr val="bg1"/>
-              </a:solidFill>
-            </a:endParaRPr>
-          </a:p>
-          <a:p>
-            <a:r>
-              <a:rPr lang="zh-TW" altLang="en-US" dirty="0" smtClean="0">
-                <a:solidFill>
-                  <a:schemeClr val="bg1"/>
-                </a:solidFill>
-              </a:rPr>
-              <a:t>閃爍按鈕引導</a:t>
-            </a:r>
-            <a:endParaRPr lang="zh-TW" altLang="en-US" dirty="0">
-              <a:solidFill>
-                <a:schemeClr val="bg1"/>
-              </a:solidFill>
-            </a:endParaRPr>
+        <p:style>
+          <a:lnRef idx="2">
+            <a:schemeClr val="accent1"/>
+          </a:lnRef>
+          <a:fillRef idx="1">
+            <a:schemeClr val="lt1"/>
+          </a:fillRef>
+          <a:effectRef idx="0">
+            <a:schemeClr val="accent1"/>
+          </a:effectRef>
+          <a:fontRef idx="minor">
+            <a:schemeClr val="dk1"/>
+          </a:fontRef>
+        </p:style>
+        <p:txBody>
+          <a:bodyPr rtlCol="0" anchor="ctr"/>
+          <a:lstStyle/>
+          <a:p>
+            <a:pPr algn="ctr"/>
+            <a:endParaRPr lang="zh-TW" altLang="en-US"/>
           </a:p>
         </p:txBody>
       </p:sp>
@@ -4941,8 +4996,8 @@
         </p:nvSpPr>
         <p:spPr>
           <a:xfrm>
-            <a:off x="428596" y="642918"/>
-            <a:ext cx="2470012" cy="1005266"/>
+            <a:off x="428596" y="857232"/>
+            <a:ext cx="2612888" cy="857256"/>
           </a:xfrm>
         </p:spPr>
         <p:txBody>
@@ -4951,7 +5006,7 @@
           <a:p>
             <a:r>
               <a:rPr lang="zh-TW" altLang="en-US" dirty="0" smtClean="0"/>
-              <a:t>商品頁</a:t>
+              <a:t>購物車</a:t>
             </a:r>
             <a:endParaRPr lang="zh-TW" altLang="en-US" dirty="0"/>
           </a:p>
@@ -4959,7 +5014,7 @@
       </p:sp>
       <p:pic>
         <p:nvPicPr>
-          <p:cNvPr id="4" name="圖片 3" descr="商品頁.jpg"/>
+          <p:cNvPr id="4" name="圖片 3" descr="購物車頁.jpg"/>
           <p:cNvPicPr>
             <a:picLocks noChangeAspect="1"/>
           </p:cNvPicPr>
@@ -4973,8 +5028,8 @@
         </p:blipFill>
         <p:spPr>
           <a:xfrm>
-            <a:off x="357158" y="1643050"/>
-            <a:ext cx="8501122" cy="5000660"/>
+            <a:off x="285720" y="1714488"/>
+            <a:ext cx="8715404" cy="5000660"/>
           </a:xfrm>
           <a:prstGeom prst="rect">
             <a:avLst/>
@@ -4988,8 +5043,8 @@
           <p:nvPr/>
         </p:nvSpPr>
         <p:spPr>
-          <a:xfrm rot="5400000">
-            <a:off x="5822165" y="3893347"/>
+          <a:xfrm rot="10800000">
+            <a:off x="4786314" y="4857760"/>
             <a:ext cx="214314" cy="714380"/>
           </a:xfrm>
           <a:prstGeom prst="downArrow">
@@ -5023,14 +5078,14 @@
       </p:sp>
       <p:sp>
         <p:nvSpPr>
-          <p:cNvPr id="6" name="文字方塊 5"/>
+          <p:cNvPr id="7" name="文字方塊 6"/>
           <p:cNvSpPr txBox="1"/>
           <p:nvPr/>
         </p:nvSpPr>
         <p:spPr>
           <a:xfrm>
-            <a:off x="6357950" y="3714752"/>
-            <a:ext cx="1569660" cy="646331"/>
+            <a:off x="4714876" y="5643578"/>
+            <a:ext cx="2723823" cy="646331"/>
           </a:xfrm>
           <a:prstGeom prst="rect">
             <a:avLst/>
@@ -5049,22 +5104,52 @@
                   <a:schemeClr val="bg1"/>
                 </a:solidFill>
               </a:rPr>
-              <a:t>連結至購物</a:t>
-            </a:r>
+              <a:t>動態顯示生成</a:t>
+            </a:r>
+            <a:endParaRPr lang="en-US" altLang="zh-TW" dirty="0" smtClean="0">
+              <a:solidFill>
+                <a:schemeClr val="bg1"/>
+              </a:solidFill>
+            </a:endParaRPr>
+          </a:p>
+          <a:p>
             <a:r>
               <a:rPr lang="zh-TW" altLang="en-US" dirty="0" smtClean="0">
                 <a:solidFill>
                   <a:schemeClr val="bg1"/>
                 </a:solidFill>
               </a:rPr>
-              <a:t>車</a:t>
-            </a:r>
-            <a:endParaRPr lang="en-US" altLang="zh-TW" dirty="0" smtClean="0">
+              <a:t>從商品頁點擊後更新至此</a:t>
+            </a:r>
+            <a:endParaRPr lang="zh-TW" altLang="en-US" dirty="0">
               <a:solidFill>
                 <a:schemeClr val="bg1"/>
               </a:solidFill>
             </a:endParaRPr>
           </a:p>
+        </p:txBody>
+      </p:sp>
+      <p:sp>
+        <p:nvSpPr>
+          <p:cNvPr id="8" name="文字方塊 7"/>
+          <p:cNvSpPr txBox="1"/>
+          <p:nvPr/>
+        </p:nvSpPr>
+        <p:spPr>
+          <a:xfrm>
+            <a:off x="500034" y="2000240"/>
+            <a:ext cx="3416320" cy="369332"/>
+          </a:xfrm>
+          <a:prstGeom prst="rect">
+            <a:avLst/>
+          </a:prstGeom>
+          <a:noFill/>
+        </p:spPr>
+        <p:txBody>
+          <a:bodyPr wrap="none" rtlCol="0">
+            <a:spAutoFit/>
+          </a:bodyPr>
+          <a:lstStyle/>
           <a:p>
             <a:r>
               <a:rPr lang="zh-TW" altLang="en-US" dirty="0" smtClean="0">
@@ -5072,15 +5157,7 @@
                   <a:schemeClr val="bg1"/>
                 </a:solidFill>
               </a:rPr>
-              <a:t>閃爍按鈕</a:t>
-            </a:r>
-            <a:r>
-              <a:rPr lang="zh-TW" altLang="en-US" dirty="0" smtClean="0">
-                <a:solidFill>
-                  <a:schemeClr val="bg1"/>
-                </a:solidFill>
-              </a:rPr>
-              <a:t>引導</a:t>
+              <a:t>檢視完購物車即可填寫付款資訊</a:t>
             </a:r>
             <a:endParaRPr lang="zh-TW" altLang="en-US" dirty="0">
               <a:solidFill>
@@ -5092,14 +5169,14 @@
       </p:sp>
       <p:sp>
         <p:nvSpPr>
-          <p:cNvPr id="7" name="向下箭號 6"/>
+          <p:cNvPr id="9" name="向下箭號 8"/>
           <p:cNvSpPr/>
           <p:nvPr/>
         </p:nvSpPr>
         <p:spPr>
-          <a:xfrm rot="19936969">
-            <a:off x="2707715" y="3997079"/>
-            <a:ext cx="214314" cy="2173539"/>
+          <a:xfrm>
+            <a:off x="1785918" y="2428868"/>
+            <a:ext cx="214314" cy="714380"/>
           </a:xfrm>
           <a:prstGeom prst="downArrow">
             <a:avLst/>
@@ -5119,129 +5196,6 @@
           </a:effectRef>
           <a:fontRef idx="minor">
             <a:schemeClr val="lt1"/>
-          </a:fontRef>
-        </p:style>
-        <p:txBody>
-          <a:bodyPr rtlCol="0" anchor="ctr"/>
-          <a:lstStyle/>
-          <a:p>
-            <a:pPr algn="ctr"/>
-            <a:endParaRPr lang="zh-TW" altLang="en-US"/>
-          </a:p>
-        </p:txBody>
-      </p:sp>
-      <p:sp>
-        <p:nvSpPr>
-          <p:cNvPr id="8" name="文字方塊 7"/>
-          <p:cNvSpPr txBox="1"/>
-          <p:nvPr/>
-        </p:nvSpPr>
-        <p:spPr>
-          <a:xfrm>
-            <a:off x="785786" y="3143248"/>
-            <a:ext cx="2492990" cy="923330"/>
-          </a:xfrm>
-          <a:prstGeom prst="rect">
-            <a:avLst/>
-          </a:prstGeom>
-          <a:noFill/>
-        </p:spPr>
-        <p:txBody>
-          <a:bodyPr wrap="none" rtlCol="0">
-            <a:spAutoFit/>
-          </a:bodyPr>
-          <a:lstStyle/>
-          <a:p>
-            <a:r>
-              <a:rPr lang="zh-TW" altLang="en-US" dirty="0" smtClean="0">
-                <a:solidFill>
-                  <a:schemeClr val="bg1"/>
-                </a:solidFill>
-              </a:rPr>
-              <a:t>選單式</a:t>
-            </a:r>
-            <a:r>
-              <a:rPr lang="en-US" altLang="zh-TW" dirty="0" smtClean="0">
-                <a:solidFill>
-                  <a:schemeClr val="bg1"/>
-                </a:solidFill>
-              </a:rPr>
-              <a:t>:</a:t>
-            </a:r>
-            <a:r>
-              <a:rPr lang="zh-TW" altLang="en-US" dirty="0" smtClean="0">
-                <a:solidFill>
-                  <a:schemeClr val="bg1"/>
-                </a:solidFill>
-              </a:rPr>
-              <a:t>選擇數量</a:t>
-            </a:r>
-            <a:endParaRPr lang="en-US" altLang="zh-TW" dirty="0" smtClean="0">
-              <a:solidFill>
-                <a:schemeClr val="bg1"/>
-              </a:solidFill>
-            </a:endParaRPr>
-          </a:p>
-          <a:p>
-            <a:r>
-              <a:rPr lang="zh-TW" altLang="en-US" dirty="0" smtClean="0">
-                <a:solidFill>
-                  <a:schemeClr val="bg1"/>
-                </a:solidFill>
-              </a:rPr>
-              <a:t>顯示該商品數量總金額</a:t>
-            </a:r>
-            <a:endParaRPr lang="en-US" altLang="zh-TW" dirty="0" smtClean="0">
-              <a:solidFill>
-                <a:schemeClr val="bg1"/>
-              </a:solidFill>
-            </a:endParaRPr>
-          </a:p>
-          <a:p>
-            <a:r>
-              <a:rPr lang="zh-TW" altLang="en-US" dirty="0" smtClean="0">
-                <a:solidFill>
-                  <a:schemeClr val="bg1"/>
-                </a:solidFill>
-              </a:rPr>
-              <a:t>即可加入購物車</a:t>
-            </a:r>
-            <a:endParaRPr lang="zh-TW" altLang="en-US" dirty="0">
-              <a:solidFill>
-                <a:schemeClr val="bg1"/>
-              </a:solidFill>
-            </a:endParaRPr>
-          </a:p>
-        </p:txBody>
-      </p:sp>
-      <p:sp>
-        <p:nvSpPr>
-          <p:cNvPr id="9" name="矩形 8"/>
-          <p:cNvSpPr/>
-          <p:nvPr/>
-        </p:nvSpPr>
-        <p:spPr>
-          <a:xfrm>
-            <a:off x="3071802" y="6143644"/>
-            <a:ext cx="928694" cy="357190"/>
-          </a:xfrm>
-          <a:prstGeom prst="rect">
-            <a:avLst/>
-          </a:prstGeom>
-          <a:noFill/>
-        </p:spPr>
-        <p:style>
-          <a:lnRef idx="2">
-            <a:schemeClr val="accent1"/>
-          </a:lnRef>
-          <a:fillRef idx="1">
-            <a:schemeClr val="lt1"/>
-          </a:fillRef>
-          <a:effectRef idx="0">
-            <a:schemeClr val="accent1"/>
-          </a:effectRef>
-          <a:fontRef idx="minor">
-            <a:schemeClr val="dk1"/>
           </a:fontRef>
         </p:style>
         <p:txBody>
@@ -5290,8 +5244,8 @@
         </p:nvSpPr>
         <p:spPr>
           <a:xfrm>
-            <a:off x="428596" y="857232"/>
-            <a:ext cx="2612888" cy="857256"/>
+            <a:off x="428596" y="928670"/>
+            <a:ext cx="2398574" cy="897818"/>
           </a:xfrm>
         </p:spPr>
         <p:txBody>
@@ -5300,7 +5254,7 @@
           <a:p>
             <a:r>
               <a:rPr lang="zh-TW" altLang="en-US" dirty="0" smtClean="0"/>
-              <a:t>購物車</a:t>
+              <a:t>關於頁</a:t>
             </a:r>
             <a:endParaRPr lang="zh-TW" altLang="en-US" dirty="0"/>
           </a:p>
@@ -5308,38 +5262,62 @@
       </p:sp>
       <p:pic>
         <p:nvPicPr>
-          <p:cNvPr id="4" name="圖片 3" descr="購物車頁.jpg"/>
+          <p:cNvPr id="7" name="圖片 6" descr="關於頁.jpg"/>
           <p:cNvPicPr>
             <a:picLocks noChangeAspect="1"/>
           </p:cNvPicPr>
           <p:nvPr/>
         </p:nvPicPr>
         <p:blipFill>
-          <a:blip r:embed="rId2"/>
+          <a:blip r:embed="rId2" cstate="print"/>
           <a:stretch>
             <a:fillRect/>
           </a:stretch>
         </p:blipFill>
         <p:spPr>
           <a:xfrm>
-            <a:off x="285720" y="1714488"/>
-            <a:ext cx="8715404" cy="5000660"/>
+            <a:off x="642910" y="1857364"/>
+            <a:ext cx="7572428" cy="2670048"/>
           </a:xfrm>
           <a:prstGeom prst="rect">
             <a:avLst/>
           </a:prstGeom>
         </p:spPr>
       </p:pic>
-      <p:sp>
-        <p:nvSpPr>
-          <p:cNvPr id="5" name="向下箭號 4"/>
+      <p:pic>
+        <p:nvPicPr>
+          <p:cNvPr id="8" name="圖片 7" descr="關於頁2.jpg"/>
+          <p:cNvPicPr>
+            <a:picLocks noChangeAspect="1"/>
+          </p:cNvPicPr>
+          <p:nvPr/>
+        </p:nvPicPr>
+        <p:blipFill>
+          <a:blip r:embed="rId3" cstate="print"/>
+          <a:stretch>
+            <a:fillRect/>
+          </a:stretch>
+        </p:blipFill>
+        <p:spPr>
+          <a:xfrm>
+            <a:off x="642910" y="4429132"/>
+            <a:ext cx="7566292" cy="2322576"/>
+          </a:xfrm>
+          <a:prstGeom prst="rect">
+            <a:avLst/>
+          </a:prstGeom>
+        </p:spPr>
+      </p:pic>
+      <p:sp>
+        <p:nvSpPr>
+          <p:cNvPr id="9" name="向下箭號 8"/>
           <p:cNvSpPr/>
           <p:nvPr/>
         </p:nvSpPr>
         <p:spPr>
-          <a:xfrm rot="10800000">
-            <a:off x="4786314" y="4857760"/>
-            <a:ext cx="214314" cy="714380"/>
+          <a:xfrm>
+            <a:off x="7858148" y="4500570"/>
+            <a:ext cx="214314" cy="1000132"/>
           </a:xfrm>
           <a:prstGeom prst="downArrow">
             <a:avLst/>
@@ -5372,14 +5350,14 @@
       </p:sp>
       <p:sp>
         <p:nvSpPr>
-          <p:cNvPr id="7" name="文字方塊 6"/>
+          <p:cNvPr id="10" name="文字方塊 9"/>
           <p:cNvSpPr txBox="1"/>
           <p:nvPr/>
         </p:nvSpPr>
         <p:spPr>
           <a:xfrm>
-            <a:off x="4714876" y="5643578"/>
-            <a:ext cx="2723823" cy="646331"/>
+            <a:off x="5929322" y="4071942"/>
+            <a:ext cx="2321469" cy="369332"/>
           </a:xfrm>
           <a:prstGeom prst="rect">
             <a:avLst/>
@@ -5398,106 +5376,29 @@
                   <a:schemeClr val="bg1"/>
                 </a:solidFill>
               </a:rPr>
-              <a:t>動態顯示生成</a:t>
-            </a:r>
-            <a:endParaRPr lang="en-US" altLang="zh-TW" dirty="0" smtClean="0">
-              <a:solidFill>
-                <a:schemeClr val="bg1"/>
-              </a:solidFill>
-            </a:endParaRPr>
-          </a:p>
-          <a:p>
+              <a:t>選單式</a:t>
+            </a:r>
+            <a:r>
+              <a:rPr lang="en-US" altLang="zh-TW" dirty="0" smtClean="0">
+                <a:solidFill>
+                  <a:schemeClr val="bg1"/>
+                </a:solidFill>
+              </a:rPr>
+              <a:t>:</a:t>
+            </a:r>
             <a:r>
               <a:rPr lang="zh-TW" altLang="en-US" dirty="0" smtClean="0">
                 <a:solidFill>
                   <a:schemeClr val="bg1"/>
                 </a:solidFill>
               </a:rPr>
-              <a:t>從商品頁點擊後更新至此</a:t>
+              <a:t>選擇問題分類</a:t>
             </a:r>
             <a:endParaRPr lang="zh-TW" altLang="en-US" dirty="0">
               <a:solidFill>
                 <a:schemeClr val="bg1"/>
               </a:solidFill>
             </a:endParaRPr>
-          </a:p>
-        </p:txBody>
-      </p:sp>
-      <p:sp>
-        <p:nvSpPr>
-          <p:cNvPr id="8" name="文字方塊 7"/>
-          <p:cNvSpPr txBox="1"/>
-          <p:nvPr/>
-        </p:nvSpPr>
-        <p:spPr>
-          <a:xfrm>
-            <a:off x="500034" y="2000240"/>
-            <a:ext cx="3416320" cy="369332"/>
-          </a:xfrm>
-          <a:prstGeom prst="rect">
-            <a:avLst/>
-          </a:prstGeom>
-          <a:noFill/>
-        </p:spPr>
-        <p:txBody>
-          <a:bodyPr wrap="none" rtlCol="0">
-            <a:spAutoFit/>
-          </a:bodyPr>
-          <a:lstStyle/>
-          <a:p>
-            <a:r>
-              <a:rPr lang="zh-TW" altLang="en-US" dirty="0" smtClean="0">
-                <a:solidFill>
-                  <a:schemeClr val="bg1"/>
-                </a:solidFill>
-              </a:rPr>
-              <a:t>檢視完購物車即可填寫付款資訊</a:t>
-            </a:r>
-            <a:endParaRPr lang="zh-TW" altLang="en-US" dirty="0">
-              <a:solidFill>
-                <a:schemeClr val="bg1"/>
-              </a:solidFill>
-            </a:endParaRPr>
-          </a:p>
-        </p:txBody>
-      </p:sp>
-      <p:sp>
-        <p:nvSpPr>
-          <p:cNvPr id="9" name="向下箭號 8"/>
-          <p:cNvSpPr/>
-          <p:nvPr/>
-        </p:nvSpPr>
-        <p:spPr>
-          <a:xfrm>
-            <a:off x="1785918" y="2428868"/>
-            <a:ext cx="214314" cy="714380"/>
-          </a:xfrm>
-          <a:prstGeom prst="downArrow">
-            <a:avLst/>
-          </a:prstGeom>
-        </p:spPr>
-        <p:style>
-          <a:lnRef idx="2">
-            <a:schemeClr val="accent2">
-              <a:shade val="50000"/>
-            </a:schemeClr>
-          </a:lnRef>
-          <a:fillRef idx="1">
-            <a:schemeClr val="accent2"/>
-          </a:fillRef>
-          <a:effectRef idx="0">
-            <a:schemeClr val="accent2"/>
-          </a:effectRef>
-          <a:fontRef idx="minor">
-            <a:schemeClr val="lt1"/>
-          </a:fontRef>
-        </p:style>
-        <p:txBody>
-          <a:bodyPr rtlCol="0" anchor="ctr"/>
-          <a:lstStyle/>
-          <a:p>
-            <a:pPr algn="ctr"/>
-            <a:endParaRPr lang="zh-TW" altLang="en-US"/>
           </a:p>
         </p:txBody>
       </p:sp>
@@ -5536,162 +5437,133 @@
             <p:ph type="title"/>
           </p:nvPr>
         </p:nvSpPr>
+        <p:spPr/>
+        <p:txBody>
+          <a:bodyPr/>
+          <a:lstStyle/>
+          <a:p>
+            <a:r>
+              <a:rPr lang="zh-TW" altLang="en-US" dirty="0" smtClean="0"/>
+              <a:t>參考資料</a:t>
+            </a:r>
+            <a:endParaRPr lang="zh-TW" altLang="en-US" dirty="0"/>
+          </a:p>
+        </p:txBody>
+      </p:sp>
+      <p:sp>
+        <p:nvSpPr>
+          <p:cNvPr id="3" name="文字版面配置區 2"/>
+          <p:cNvSpPr>
+            <a:spLocks noGrp="1"/>
+          </p:cNvSpPr>
+          <p:nvPr>
+            <p:ph type="body" idx="1"/>
+          </p:nvPr>
+        </p:nvSpPr>
         <p:spPr>
           <a:xfrm>
-            <a:off x="428596" y="928670"/>
-            <a:ext cx="2398574" cy="897818"/>
-          </a:xfrm>
-        </p:spPr>
-        <p:txBody>
-          <a:bodyPr/>
-          <a:lstStyle/>
-          <a:p>
-            <a:r>
-              <a:rPr lang="zh-TW" altLang="en-US" dirty="0" smtClean="0"/>
-              <a:t>關於頁</a:t>
-            </a:r>
-            <a:endParaRPr lang="zh-TW" altLang="en-US" dirty="0"/>
-          </a:p>
-        </p:txBody>
-      </p:sp>
-      <p:pic>
-        <p:nvPicPr>
-          <p:cNvPr id="7" name="圖片 6" descr="關於頁.jpg"/>
-          <p:cNvPicPr>
-            <a:picLocks noChangeAspect="1"/>
-          </p:cNvPicPr>
-          <p:nvPr/>
-        </p:nvPicPr>
-        <p:blipFill>
-          <a:blip r:embed="rId2" cstate="print"/>
-          <a:stretch>
-            <a:fillRect/>
-          </a:stretch>
-        </p:blipFill>
-        <p:spPr>
-          <a:xfrm>
-            <a:off x="642910" y="1857364"/>
-            <a:ext cx="7572428" cy="2670048"/>
-          </a:xfrm>
-          <a:prstGeom prst="rect">
-            <a:avLst/>
-          </a:prstGeom>
-        </p:spPr>
-      </p:pic>
-      <p:pic>
-        <p:nvPicPr>
-          <p:cNvPr id="8" name="圖片 7" descr="關於頁2.jpg"/>
-          <p:cNvPicPr>
-            <a:picLocks noChangeAspect="1"/>
-          </p:cNvPicPr>
-          <p:nvPr/>
-        </p:nvPicPr>
-        <p:blipFill>
-          <a:blip r:embed="rId3" cstate="print"/>
-          <a:stretch>
-            <a:fillRect/>
-          </a:stretch>
-        </p:blipFill>
-        <p:spPr>
-          <a:xfrm>
-            <a:off x="642910" y="4429132"/>
-            <a:ext cx="7566292" cy="2322576"/>
-          </a:xfrm>
-          <a:prstGeom prst="rect">
-            <a:avLst/>
-          </a:prstGeom>
-        </p:spPr>
-      </p:pic>
-      <p:sp>
-        <p:nvSpPr>
-          <p:cNvPr id="9" name="向下箭號 8"/>
-          <p:cNvSpPr/>
-          <p:nvPr/>
-        </p:nvSpPr>
-        <p:spPr>
-          <a:xfrm>
-            <a:off x="7858148" y="4500570"/>
-            <a:ext cx="214314" cy="1000132"/>
-          </a:xfrm>
-          <a:prstGeom prst="downArrow">
-            <a:avLst/>
-          </a:prstGeom>
-        </p:spPr>
-        <p:style>
-          <a:lnRef idx="2">
-            <a:schemeClr val="accent2">
-              <a:shade val="50000"/>
-            </a:schemeClr>
-          </a:lnRef>
-          <a:fillRef idx="1">
-            <a:schemeClr val="accent2"/>
-          </a:fillRef>
-          <a:effectRef idx="0">
-            <a:schemeClr val="accent2"/>
-          </a:effectRef>
-          <a:fontRef idx="minor">
-            <a:schemeClr val="lt1"/>
-          </a:fontRef>
-        </p:style>
-        <p:txBody>
-          <a:bodyPr rtlCol="0" anchor="ctr"/>
-          <a:lstStyle/>
-          <a:p>
-            <a:pPr algn="ctr"/>
-            <a:endParaRPr lang="zh-TW" altLang="en-US"/>
-          </a:p>
-        </p:txBody>
-      </p:sp>
-      <p:sp>
-        <p:nvSpPr>
-          <p:cNvPr id="10" name="文字方塊 9"/>
-          <p:cNvSpPr txBox="1"/>
-          <p:nvPr/>
-        </p:nvSpPr>
-        <p:spPr>
-          <a:xfrm>
-            <a:off x="5929322" y="4071942"/>
-            <a:ext cx="2321469" cy="369332"/>
-          </a:xfrm>
-          <a:prstGeom prst="rect">
-            <a:avLst/>
-          </a:prstGeom>
-          <a:noFill/>
-        </p:spPr>
-        <p:txBody>
-          <a:bodyPr wrap="none" rtlCol="0">
-            <a:spAutoFit/>
+            <a:off x="530352" y="2704664"/>
+            <a:ext cx="7772400" cy="3724732"/>
+          </a:xfrm>
+        </p:spPr>
+        <p:txBody>
+          <a:bodyPr>
+            <a:normAutofit/>
           </a:bodyPr>
           <a:lstStyle/>
           <a:p>
             <a:r>
-              <a:rPr lang="zh-TW" altLang="en-US" dirty="0" smtClean="0">
-                <a:solidFill>
-                  <a:schemeClr val="bg1"/>
-                </a:solidFill>
+              <a:rPr lang="zh-TW" altLang="en-US" sz="1600" dirty="0" smtClean="0">
+                <a:latin typeface="微軟正黑體" pitchFamily="34" charset="-120"/>
+                <a:ea typeface="微軟正黑體" pitchFamily="34" charset="-120"/>
               </a:rPr>
-              <a:t>選單式</a:t>
-            </a:r>
-            <a:r>
-              <a:rPr lang="en-US" altLang="zh-TW" dirty="0" smtClean="0">
-                <a:solidFill>
-                  <a:schemeClr val="bg1"/>
-                </a:solidFill>
+              <a:t>曾海味</a:t>
+            </a:r>
+            <a:endParaRPr lang="en-US" altLang="zh-TW" sz="1600" dirty="0" smtClean="0">
+              <a:latin typeface="微軟正黑體" pitchFamily="34" charset="-120"/>
+              <a:ea typeface="微軟正黑體" pitchFamily="34" charset="-120"/>
+            </a:endParaRPr>
+          </a:p>
+          <a:p>
+            <a:r>
+              <a:rPr lang="en-US" altLang="zh-TW" sz="1600" dirty="0" smtClean="0">
+                <a:latin typeface="微軟正黑體" pitchFamily="34" charset="-120"/>
+                <a:ea typeface="微軟正黑體" pitchFamily="34" charset="-120"/>
+                <a:hlinkClick r:id="rId2"/>
               </a:rPr>
-              <a:t>:</a:t>
-            </a:r>
-            <a:r>
-              <a:rPr lang="zh-TW" altLang="en-US" dirty="0" smtClean="0">
-                <a:solidFill>
-                  <a:schemeClr val="bg1"/>
-                </a:solidFill>
+              <a:t>https://www.zenghaiwei.com/?gclid=Cj0KCQjw94WZBhDtARIsAKxWG--c3avir0RnfgDEIa_r0QNPTvo7SZGPnYBxTHCxnSJ4XsMElto-o6IaAof3EALw_wcB</a:t>
+            </a:r>
+            <a:endParaRPr lang="en-US" altLang="zh-TW" sz="1600" dirty="0" smtClean="0">
+              <a:latin typeface="微軟正黑體" pitchFamily="34" charset="-120"/>
+              <a:ea typeface="微軟正黑體" pitchFamily="34" charset="-120"/>
+            </a:endParaRPr>
+          </a:p>
+          <a:p>
+            <a:endParaRPr lang="en-US" altLang="zh-TW" sz="1600" dirty="0" smtClean="0">
+              <a:latin typeface="微軟正黑體" pitchFamily="34" charset="-120"/>
+              <a:ea typeface="微軟正黑體" pitchFamily="34" charset="-120"/>
+            </a:endParaRPr>
+          </a:p>
+          <a:p>
+            <a:r>
+              <a:rPr lang="zh-TW" altLang="en-US" sz="1600" dirty="0" smtClean="0">
+                <a:latin typeface="微軟正黑體" pitchFamily="34" charset="-120"/>
+                <a:ea typeface="微軟正黑體" pitchFamily="34" charset="-120"/>
               </a:rPr>
-              <a:t>選擇問題分類</a:t>
-            </a:r>
-            <a:endParaRPr lang="zh-TW" altLang="en-US" dirty="0">
-              <a:solidFill>
-                <a:schemeClr val="bg1"/>
-              </a:solidFill>
+              <a:t>佐佐鮮</a:t>
+            </a:r>
+            <a:endParaRPr lang="en-US" altLang="zh-TW" sz="1600" dirty="0" smtClean="0">
+              <a:latin typeface="微軟正黑體" pitchFamily="34" charset="-120"/>
+              <a:ea typeface="微軟正黑體" pitchFamily="34" charset="-120"/>
+            </a:endParaRPr>
+          </a:p>
+          <a:p>
+            <a:r>
+              <a:rPr lang="en-US" altLang="zh-TW" sz="1600" dirty="0" smtClean="0">
+                <a:latin typeface="微軟正黑體" pitchFamily="34" charset="-120"/>
+                <a:ea typeface="微軟正黑體" pitchFamily="34" charset="-120"/>
+                <a:hlinkClick r:id="rId3"/>
+              </a:rPr>
+              <a:t>https://www.jjfish.com.tw/?lang=zh-TW</a:t>
+            </a:r>
+            <a:endParaRPr lang="en-US" altLang="zh-TW" sz="1600" dirty="0" smtClean="0">
+              <a:latin typeface="微軟正黑體" pitchFamily="34" charset="-120"/>
+              <a:ea typeface="微軟正黑體" pitchFamily="34" charset="-120"/>
+            </a:endParaRPr>
+          </a:p>
+          <a:p>
+            <a:endParaRPr lang="en-US" altLang="zh-TW" sz="1600" dirty="0" smtClean="0">
+              <a:latin typeface="微軟正黑體" pitchFamily="34" charset="-120"/>
+              <a:ea typeface="微軟正黑體" pitchFamily="34" charset="-120"/>
+            </a:endParaRPr>
+          </a:p>
+          <a:p>
+            <a:r>
+              <a:rPr lang="en-US" altLang="zh-TW" sz="1600" dirty="0" smtClean="0">
+                <a:latin typeface="微軟正黑體" pitchFamily="34" charset="-120"/>
+                <a:ea typeface="微軟正黑體" pitchFamily="34" charset="-120"/>
+              </a:rPr>
+              <a:t>W3School</a:t>
+            </a:r>
+          </a:p>
+          <a:p>
+            <a:r>
+              <a:rPr lang="en-US" altLang="zh-TW" sz="1600" dirty="0" smtClean="0">
+                <a:latin typeface="微軟正黑體" pitchFamily="34" charset="-120"/>
+                <a:ea typeface="微軟正黑體" pitchFamily="34" charset="-120"/>
+                <a:hlinkClick r:id="rId4"/>
+              </a:rPr>
+              <a:t>https://www.w3schools.com/</a:t>
+            </a:r>
+            <a:endParaRPr lang="en-US" altLang="zh-TW" sz="1600" dirty="0" smtClean="0">
+              <a:latin typeface="微軟正黑體" pitchFamily="34" charset="-120"/>
+              <a:ea typeface="微軟正黑體" pitchFamily="34" charset="-120"/>
+            </a:endParaRPr>
+          </a:p>
+          <a:p>
+            <a:endParaRPr lang="en-US" altLang="zh-TW" sz="1600" dirty="0" smtClean="0">
+              <a:latin typeface="微軟正黑體" pitchFamily="34" charset="-120"/>
+              <a:ea typeface="微軟正黑體" pitchFamily="34" charset="-120"/>
             </a:endParaRPr>
           </a:p>
         </p:txBody>
